--- a/Data Structure Visualization.pptx
+++ b/Data Structure Visualization.pptx
@@ -3780,7 +3780,7 @@
                 <a16:creationId xmlns:a16="http://schemas.microsoft.com/office/drawing/2014/main" id="{A9286AD2-18A9-4868-A4E3-7A2097A20810}"/>
               </a:ext>
               <a:ext uri="{C183D7F6-B498-43B3-948B-1728B52AA6E4}">
-                <adec:decorative xmlns:adec="http://schemas.microsoft.com/office/drawing/2017/decorative" xmlns="" val="1"/>
+                <adec:decorative xmlns="" xmlns:adec="http://schemas.microsoft.com/office/drawing/2017/decorative" val="1"/>
               </a:ext>
             </a:extLst>
           </p:cNvPr>
@@ -3908,17 +3908,6 @@
               <a:t>Data Structure </a:t>
             </a:r>
             <a:r>
-              <a:rPr lang="en-US" sz="2400" dirty="0" err="1" smtClean="0">
-                <a:solidFill>
-                  <a:schemeClr val="tx1">
-                    <a:lumMod val="85000"/>
-                    <a:lumOff val="15000"/>
-                  </a:schemeClr>
-                </a:solidFill>
-              </a:rPr>
-              <a:t>implementaion</a:t>
-            </a:r>
-            <a:r>
               <a:rPr lang="en-US" sz="2400" dirty="0" smtClean="0">
                 <a:solidFill>
                   <a:schemeClr val="tx1">
@@ -3927,7 +3916,18 @@
                   </a:schemeClr>
                 </a:solidFill>
               </a:rPr>
-              <a:t> using java</a:t>
+              <a:t>implementation </a:t>
+            </a:r>
+            <a:r>
+              <a:rPr lang="en-US" sz="2400" dirty="0" smtClean="0">
+                <a:solidFill>
+                  <a:schemeClr val="tx1">
+                    <a:lumMod val="85000"/>
+                    <a:lumOff val="15000"/>
+                  </a:schemeClr>
+                </a:solidFill>
+              </a:rPr>
+              <a:t>using java</a:t>
             </a:r>
             <a:endParaRPr lang="en-US" sz="2400" dirty="0">
               <a:solidFill>
@@ -3983,7 +3983,7 @@
                 <a16:creationId xmlns:a16="http://schemas.microsoft.com/office/drawing/2014/main" id="{E7A7CD63-7EC3-44F3-95D0-595C4019FF24}"/>
               </a:ext>
               <a:ext uri="{C183D7F6-B498-43B3-948B-1728B52AA6E4}">
-                <adec:decorative xmlns:adec="http://schemas.microsoft.com/office/drawing/2017/decorative" xmlns="" val="1"/>
+                <adec:decorative xmlns="" xmlns:adec="http://schemas.microsoft.com/office/drawing/2017/decorative" val="1"/>
               </a:ext>
             </a:extLst>
           </p:cNvPr>
@@ -4144,7 +4144,7 @@
                 <a16:creationId xmlns:a16="http://schemas.microsoft.com/office/drawing/2014/main" id="{FBDCECDC-EEE3-4128-AA5E-82A8C08796E8}"/>
               </a:ext>
               <a:ext uri="{C183D7F6-B498-43B3-948B-1728B52AA6E4}">
-                <adec:decorative xmlns:adec="http://schemas.microsoft.com/office/drawing/2017/decorative" xmlns="" val="1"/>
+                <adec:decorative xmlns="" xmlns:adec="http://schemas.microsoft.com/office/drawing/2017/decorative" val="1"/>
               </a:ext>
             </a:extLst>
           </p:cNvPr>
@@ -4244,7 +4244,7 @@
                 <a16:creationId xmlns:a16="http://schemas.microsoft.com/office/drawing/2014/main" id="{4260EDE0-989C-4E16-AF94-F652294D828E}"/>
               </a:ext>
               <a:ext uri="{C183D7F6-B498-43B3-948B-1728B52AA6E4}">
-                <adec:decorative xmlns:adec="http://schemas.microsoft.com/office/drawing/2017/decorative" xmlns="" val="1"/>
+                <adec:decorative xmlns="" xmlns:adec="http://schemas.microsoft.com/office/drawing/2017/decorative" val="1"/>
               </a:ext>
             </a:extLst>
           </p:cNvPr>
@@ -4376,7 +4376,7 @@
                 <a16:creationId xmlns:a16="http://schemas.microsoft.com/office/drawing/2014/main" id="{FBDCECDC-EEE3-4128-AA5E-82A8C08796E8}"/>
               </a:ext>
               <a:ext uri="{C183D7F6-B498-43B3-948B-1728B52AA6E4}">
-                <adec:decorative xmlns:adec="http://schemas.microsoft.com/office/drawing/2017/decorative" xmlns="" val="1"/>
+                <adec:decorative xmlns="" xmlns:adec="http://schemas.microsoft.com/office/drawing/2017/decorative" val="1"/>
               </a:ext>
             </a:extLst>
           </p:cNvPr>
@@ -4479,7 +4479,7 @@
                 <a16:creationId xmlns:a16="http://schemas.microsoft.com/office/drawing/2014/main" id="{4260EDE0-989C-4E16-AF94-F652294D828E}"/>
               </a:ext>
               <a:ext uri="{C183D7F6-B498-43B3-948B-1728B52AA6E4}">
-                <adec:decorative xmlns:adec="http://schemas.microsoft.com/office/drawing/2017/decorative" xmlns="" val="1"/>
+                <adec:decorative xmlns="" xmlns:adec="http://schemas.microsoft.com/office/drawing/2017/decorative" val="1"/>
               </a:ext>
             </a:extLst>
           </p:cNvPr>
@@ -4664,11 +4664,13 @@
         <p:spPr>
           <a:xfrm>
             <a:off x="340659" y="1954306"/>
-            <a:ext cx="4069976" cy="4153249"/>
-          </a:xfrm>
-        </p:spPr>
-        <p:txBody>
-          <a:bodyPr/>
+            <a:ext cx="4069976" cy="4320988"/>
+          </a:xfrm>
+        </p:spPr>
+        <p:txBody>
+          <a:bodyPr>
+            <a:normAutofit fontScale="92500" lnSpcReduction="10000"/>
+          </a:bodyPr>
           <a:lstStyle/>
           <a:p>
             <a:pPr marL="285750" indent="-285750">
@@ -4697,8 +4699,35 @@
             </a:pPr>
             <a:r>
               <a:rPr lang="en-US" dirty="0" smtClean="0"/>
-              <a:t>The user can enter either strings or integers in his/her selected data structure and they are informed when something goes wrong.</a:t>
-            </a:r>
+              <a:t>The user can enter either strings or integers in his/her selected data structure and they are informed when something goes wrong</a:t>
+            </a:r>
+            <a:r>
+              <a:rPr lang="en-US" dirty="0" smtClean="0"/>
+              <a:t>.</a:t>
+            </a:r>
+          </a:p>
+          <a:p>
+            <a:pPr marL="285750" indent="-285750">
+              <a:buFont typeface="Arial" panose="020B0604020202020204" pitchFamily="34" charset="0"/>
+              <a:buChar char="•"/>
+            </a:pPr>
+            <a:r>
+              <a:rPr lang="en-US" dirty="0"/>
+              <a:t>We </a:t>
+            </a:r>
+            <a:r>
+              <a:rPr lang="en-US" dirty="0" smtClean="0"/>
+              <a:t>need </a:t>
+            </a:r>
+            <a:r>
+              <a:rPr lang="en-US" dirty="0"/>
+              <a:t>to mention that if the user wants to perform </a:t>
+            </a:r>
+            <a:r>
+              <a:rPr lang="en-US" dirty="0" smtClean="0"/>
+              <a:t>the removal operation, they must do the removal before adding any new item.</a:t>
+            </a:r>
+            <a:endParaRPr lang="en-US" dirty="0"/>
           </a:p>
         </p:txBody>
       </p:sp>
@@ -4808,8 +4837,21 @@
             </a:pPr>
             <a:r>
               <a:rPr lang="en-US" dirty="0" smtClean="0"/>
-              <a:t>If the user is to choose to add an item, he/she needs to enter that item in the text field.</a:t>
-            </a:r>
+              <a:t>If the user is to choose to add an item, he/she needs to enter that item in </a:t>
+            </a:r>
+            <a:r>
+              <a:rPr lang="en-US" dirty="0" smtClean="0"/>
+              <a:t>the first </a:t>
+            </a:r>
+            <a:r>
+              <a:rPr lang="en-US" dirty="0" smtClean="0"/>
+              <a:t>text </a:t>
+            </a:r>
+            <a:r>
+              <a:rPr lang="en-US" dirty="0" smtClean="0"/>
+              <a:t>field, and how many times this item will be repeated in the array in the second text filed.</a:t>
+            </a:r>
+            <a:endParaRPr lang="en-US" dirty="0" smtClean="0"/>
           </a:p>
           <a:p>
             <a:pPr marL="285750" indent="-285750">
@@ -4834,7 +4876,7 @@
       </p:sp>
       <p:pic>
         <p:nvPicPr>
-          <p:cNvPr id="7" name="Content Placeholder 6"/>
+          <p:cNvPr id="5" name="Content Placeholder 4"/>
           <p:cNvPicPr>
             <a:picLocks noGrp="1" noChangeAspect="1"/>
           </p:cNvPicPr>
@@ -4850,8 +4892,8 @@
         </p:blipFill>
         <p:spPr>
           <a:xfrm>
-            <a:off x="4679577" y="430307"/>
-            <a:ext cx="7512423" cy="5677248"/>
+            <a:off x="4855464" y="658368"/>
+            <a:ext cx="7086600" cy="5349240"/>
           </a:xfrm>
           <a:prstGeom prst="rect">
             <a:avLst/>
@@ -4951,7 +4993,7 @@
         </p:spPr>
         <p:txBody>
           <a:bodyPr>
-            <a:normAutofit/>
+            <a:normAutofit lnSpcReduction="10000"/>
           </a:bodyPr>
           <a:lstStyle/>
           <a:p>
@@ -4961,7 +5003,31 @@
             </a:pPr>
             <a:r>
               <a:rPr lang="en-US" dirty="0" smtClean="0"/>
-              <a:t>If, for example, the user enters the numbers from 10 to 60, he/she will be able to see their data and the time taken to perform each insertion operation.</a:t>
+              <a:t>If, for example, the </a:t>
+            </a:r>
+            <a:r>
+              <a:rPr lang="en-US" dirty="0" smtClean="0"/>
+              <a:t>user enters the number 45 and to be added these many times as shown in the figure, </a:t>
+            </a:r>
+            <a:r>
+              <a:rPr lang="en-US" dirty="0" smtClean="0"/>
+              <a:t>he/she will be able to see </a:t>
+            </a:r>
+            <a:r>
+              <a:rPr lang="en-US" dirty="0" smtClean="0"/>
+              <a:t>that item with the entere</a:t>
+            </a:r>
+            <a:r>
+              <a:rPr lang="en-US" dirty="0" smtClean="0"/>
+              <a:t>d </a:t>
+            </a:r>
+            <a:r>
+              <a:rPr lang="en-US" dirty="0" smtClean="0"/>
+              <a:t>amount are added, </a:t>
+            </a:r>
+            <a:r>
+              <a:rPr lang="en-US" dirty="0" smtClean="0"/>
+              <a:t>and the time taken to perform each insertion operation.</a:t>
             </a:r>
           </a:p>
           <a:p>
@@ -4995,8 +5061,31 @@
             </a:r>
             <a:r>
               <a:rPr lang="en-US" dirty="0"/>
-              <a:t>in the array.</a:t>
-            </a:r>
+              <a:t>in the array</a:t>
+            </a:r>
+            <a:r>
+              <a:rPr lang="en-US" dirty="0"/>
+              <a:t>. </a:t>
+            </a:r>
+            <a:r>
+              <a:rPr lang="en-US" dirty="0" smtClean="0"/>
+              <a:t>And the removal </a:t>
+            </a:r>
+            <a:r>
+              <a:rPr lang="en-US" dirty="0"/>
+              <a:t>operations happen in the last, actually filled position in the array</a:t>
+            </a:r>
+            <a:r>
+              <a:rPr lang="en-US" dirty="0" smtClean="0"/>
+              <a:t>.</a:t>
+            </a:r>
+          </a:p>
+          <a:p>
+            <a:pPr marL="285750" indent="-285750">
+              <a:buFont typeface="Arial" panose="020B0604020202020204" pitchFamily="34" charset="0"/>
+              <a:buChar char="•"/>
+            </a:pPr>
+            <a:endParaRPr lang="en-US" dirty="0"/>
           </a:p>
           <a:p>
             <a:endParaRPr lang="en-US" dirty="0" smtClean="0"/>
@@ -5005,7 +5094,7 @@
       </p:sp>
       <p:pic>
         <p:nvPicPr>
-          <p:cNvPr id="9" name="Content Placeholder 8"/>
+          <p:cNvPr id="5" name="Content Placeholder 4"/>
           <p:cNvPicPr>
             <a:picLocks noGrp="1" noChangeAspect="1"/>
           </p:cNvPicPr>
@@ -5021,8 +5110,8 @@
         </p:blipFill>
         <p:spPr>
           <a:xfrm>
-            <a:off x="4782312" y="502921"/>
-            <a:ext cx="7232904" cy="5604634"/>
+            <a:off x="4818889" y="524587"/>
+            <a:ext cx="7068312" cy="5582968"/>
           </a:xfrm>
           <a:prstGeom prst="rect">
             <a:avLst/>
@@ -5077,28 +5166,29 @@
         </p:spPr>
         <p:txBody>
           <a:bodyPr>
-            <a:normAutofit fontScale="90000"/>
+            <a:normAutofit/>
           </a:bodyPr>
           <a:lstStyle/>
           <a:p>
             <a:pPr algn="ctr"/>
             <a:r>
               <a:rPr lang="en-US" dirty="0" smtClean="0"/>
-              <a:t>Array</a:t>
+              <a:t>Linked List</a:t>
+            </a:r>
+            <a:r>
+              <a:rPr lang="en-US" dirty="0" smtClean="0"/>
+              <a:t/>
             </a:r>
             <a:br>
               <a:rPr lang="en-US" dirty="0" smtClean="0"/>
             </a:br>
             <a:r>
               <a:rPr lang="en-US" dirty="0" smtClean="0"/>
-              <a:t>Data Structure</a:t>
-            </a:r>
-            <a:br>
+              <a:t>Data </a:t>
+            </a:r>
+            <a:r>
               <a:rPr lang="en-US" dirty="0" smtClean="0"/>
-            </a:br>
-            <a:r>
-              <a:rPr lang="en-US" dirty="0" smtClean="0"/>
-              <a:t>(Cont’d)</a:t>
+              <a:t>Structure</a:t>
             </a:r>
             <a:endParaRPr lang="en-US" dirty="0"/>
           </a:p>
@@ -5132,7 +5222,7 @@
             </a:pPr>
             <a:r>
               <a:rPr lang="en-US" dirty="0" smtClean="0"/>
-              <a:t>If, for example, the user performs the removal operation twice, he/she will be able to see their updated array data and the time taken to perform each removal operation.</a:t>
+              <a:t>If the user has chosen the linked list data structure for his exploration, he would also nearly the same window as in the array structure.</a:t>
             </a:r>
           </a:p>
           <a:p>
@@ -5140,37 +5230,13 @@
               <a:buFont typeface="Arial" panose="020B0604020202020204" pitchFamily="34" charset="0"/>
               <a:buChar char="•"/>
             </a:pPr>
-            <a:r>
-              <a:rPr lang="en-US" dirty="0"/>
-              <a:t>We need to mention that the </a:t>
-            </a:r>
-            <a:r>
-              <a:rPr lang="en-US" dirty="0" smtClean="0"/>
-              <a:t>removal  </a:t>
-            </a:r>
-            <a:r>
-              <a:rPr lang="en-US" dirty="0"/>
-              <a:t>operations happen in </a:t>
-            </a:r>
-            <a:r>
-              <a:rPr lang="en-US" dirty="0" smtClean="0"/>
-              <a:t>the last, actually filled position </a:t>
-            </a:r>
-            <a:r>
-              <a:rPr lang="en-US" dirty="0"/>
-              <a:t>in the array</a:t>
-            </a:r>
-            <a:r>
-              <a:rPr lang="en-US" dirty="0" smtClean="0"/>
-              <a:t>.</a:t>
-            </a:r>
             <a:endParaRPr lang="en-US" dirty="0"/>
           </a:p>
         </p:txBody>
       </p:sp>
       <p:pic>
         <p:nvPicPr>
-          <p:cNvPr id="6" name="Content Placeholder 5"/>
+          <p:cNvPr id="5" name="Content Placeholder 4"/>
           <p:cNvPicPr>
             <a:picLocks noGrp="1" noChangeAspect="1"/>
           </p:cNvPicPr>
@@ -5179,19 +5245,22 @@
           </p:nvPr>
         </p:nvPicPr>
         <p:blipFill>
-          <a:blip r:embed="rId2"/>
+          <a:blip r:embed="rId2">
+            <a:extLst>
+              <a:ext uri="{28A0092B-C50C-407E-A947-70E740481C1C}">
+                <a14:useLocalDpi xmlns:a14="http://schemas.microsoft.com/office/drawing/2010/main" val="0"/>
+              </a:ext>
+            </a:extLst>
+          </a:blip>
           <a:stretch>
             <a:fillRect/>
           </a:stretch>
         </p:blipFill>
         <p:spPr>
           <a:xfrm>
-            <a:off x="4974336" y="704088"/>
-            <a:ext cx="6793991" cy="5230367"/>
-          </a:xfrm>
-          <a:prstGeom prst="rect">
-            <a:avLst/>
-          </a:prstGeom>
+            <a:off x="5138928" y="832105"/>
+            <a:ext cx="6693408" cy="5275450"/>
+          </a:xfrm>
         </p:spPr>
       </p:pic>
     </p:spTree>

--- a/Data Structure Visualization.pptx
+++ b/Data Structure Visualization.pptx
@@ -5,16 +5,17 @@
     <p:sldMasterId id="2147483746" r:id="rId1"/>
   </p:sldMasterIdLst>
   <p:sldIdLst>
-    <p:sldId id="257" r:id="rId2"/>
-    <p:sldId id="258" r:id="rId3"/>
-    <p:sldId id="263" r:id="rId4"/>
-    <p:sldId id="262" r:id="rId5"/>
-    <p:sldId id="264" r:id="rId6"/>
-    <p:sldId id="265" r:id="rId7"/>
-    <p:sldId id="266" r:id="rId8"/>
-    <p:sldId id="261" r:id="rId9"/>
-    <p:sldId id="259" r:id="rId10"/>
-    <p:sldId id="260" r:id="rId11"/>
+    <p:sldId id="271" r:id="rId2"/>
+    <p:sldId id="263" r:id="rId3"/>
+    <p:sldId id="262" r:id="rId4"/>
+    <p:sldId id="264" r:id="rId5"/>
+    <p:sldId id="265" r:id="rId6"/>
+    <p:sldId id="266" r:id="rId7"/>
+    <p:sldId id="267" r:id="rId8"/>
+    <p:sldId id="268" r:id="rId9"/>
+    <p:sldId id="269" r:id="rId10"/>
+    <p:sldId id="270" r:id="rId11"/>
+    <p:sldId id="258" r:id="rId12"/>
   </p:sldIdLst>
   <p:sldSz cx="12192000" cy="6858000"/>
   <p:notesSz cx="6858000" cy="9144000"/>
@@ -365,7 +366,7 @@
           <a:p>
             <a:fld id="{9184DA70-C731-4C70-880D-CCD4705E623C}" type="datetime1">
               <a:rPr lang="en-US" smtClean="0"/>
-              <a:t>1/4/2022</a:t>
+              <a:t>1/5/2022</a:t>
             </a:fld>
             <a:endParaRPr lang="en-US" dirty="0"/>
           </a:p>
@@ -553,7 +554,7 @@
           <a:p>
             <a:fld id="{B612A279-0833-481D-8C56-F67FD0AC6C50}" type="datetime1">
               <a:rPr lang="en-US" smtClean="0"/>
-              <a:t>1/4/2022</a:t>
+              <a:t>1/5/2022</a:t>
             </a:fld>
             <a:endParaRPr lang="en-US" dirty="0"/>
           </a:p>
@@ -795,7 +796,7 @@
           <a:p>
             <a:fld id="{6587DA83-5663-4C9C-B9AA-0B40A3DAFF81}" type="datetime1">
               <a:rPr lang="en-US" smtClean="0"/>
-              <a:t>1/4/2022</a:t>
+              <a:t>1/5/2022</a:t>
             </a:fld>
             <a:endParaRPr lang="en-US" dirty="0"/>
           </a:p>
@@ -983,7 +984,7 @@
           <a:p>
             <a:fld id="{4BE1D723-8F53-4F53-90B0-1982A396982E}" type="datetime1">
               <a:rPr lang="en-US" smtClean="0"/>
-              <a:t>1/4/2022</a:t>
+              <a:t>1/5/2022</a:t>
             </a:fld>
             <a:endParaRPr lang="en-US" dirty="0"/>
           </a:p>
@@ -1356,7 +1357,7 @@
           <a:p>
             <a:fld id="{97669AF7-7BEB-44E4-9852-375E34362B5B}" type="datetime1">
               <a:rPr lang="en-US" smtClean="0"/>
-              <a:t>1/4/2022</a:t>
+              <a:t>1/5/2022</a:t>
             </a:fld>
             <a:endParaRPr lang="en-US" dirty="0"/>
           </a:p>
@@ -1611,7 +1612,7 @@
           <a:p>
             <a:fld id="{BAAAC38D-0552-4C82-B593-E6124DFADBE2}" type="datetime1">
               <a:rPr lang="en-US" smtClean="0"/>
-              <a:t>1/4/2022</a:t>
+              <a:t>1/5/2022</a:t>
             </a:fld>
             <a:endParaRPr lang="en-US" dirty="0"/>
           </a:p>
@@ -2008,7 +2009,7 @@
           <a:p>
             <a:fld id="{D9DF0F1C-5577-4ACB-BB62-DF8F3C494C7E}" type="datetime1">
               <a:rPr lang="en-US" smtClean="0"/>
-              <a:t>1/4/2022</a:t>
+              <a:t>1/5/2022</a:t>
             </a:fld>
             <a:endParaRPr lang="en-US" dirty="0"/>
           </a:p>
@@ -2144,7 +2145,7 @@
           <a:p>
             <a:fld id="{1775B394-D9F9-4F0C-B15D-605F45CB9E9F}" type="datetime1">
               <a:rPr lang="en-US" smtClean="0"/>
-              <a:t>1/4/2022</a:t>
+              <a:t>1/5/2022</a:t>
             </a:fld>
             <a:endParaRPr lang="en-US" dirty="0"/>
           </a:p>
@@ -2301,7 +2302,7 @@
           <a:p>
             <a:fld id="{39667345-2558-425A-8533-9BFDBCE15005}" type="datetime1">
               <a:rPr lang="en-US" smtClean="0"/>
-              <a:t>1/4/2022</a:t>
+              <a:t>1/5/2022</a:t>
             </a:fld>
             <a:endParaRPr lang="en-US" dirty="0"/>
           </a:p>
@@ -2630,7 +2631,7 @@
           <a:p>
             <a:fld id="{92BEA474-078D-4E9B-9B14-09A87B19DC46}" type="datetime1">
               <a:rPr lang="en-US" smtClean="0"/>
-              <a:t>1/4/2022</a:t>
+              <a:t>1/5/2022</a:t>
             </a:fld>
             <a:endParaRPr lang="en-US" dirty="0"/>
           </a:p>
@@ -2980,7 +2981,7 @@
           <a:p>
             <a:fld id="{4907D986-8816-4272-A432-0437A28A9828}" type="datetime1">
               <a:rPr lang="en-US" smtClean="0"/>
-              <a:t>1/4/2022</a:t>
+              <a:t>1/5/2022</a:t>
             </a:fld>
             <a:endParaRPr lang="en-US" dirty="0"/>
           </a:p>
@@ -3241,7 +3242,7 @@
           <a:p>
             <a:fld id="{62D6E202-B606-4609-B914-27C9371A1F6D}" type="datetime1">
               <a:rPr lang="en-US" smtClean="0"/>
-              <a:t>1/4/2022</a:t>
+              <a:t>1/5/2022</a:t>
             </a:fld>
             <a:endParaRPr lang="en-US" dirty="0"/>
           </a:p>
@@ -3780,7 +3781,7 @@
                 <a16:creationId xmlns:a16="http://schemas.microsoft.com/office/drawing/2014/main" id="{A9286AD2-18A9-4868-A4E3-7A2097A20810}"/>
               </a:ext>
               <a:ext uri="{C183D7F6-B498-43B3-948B-1728B52AA6E4}">
-                <adec:decorative xmlns="" xmlns:adec="http://schemas.microsoft.com/office/drawing/2017/decorative" val="1"/>
+                <adec:decorative xmlns:adec="http://schemas.microsoft.com/office/drawing/2017/decorative" xmlns="" val="1"/>
               </a:ext>
             </a:extLst>
           </p:cNvPr>
@@ -3905,29 +3906,7 @@
                   </a:schemeClr>
                 </a:solidFill>
               </a:rPr>
-              <a:t>Data Structure </a:t>
-            </a:r>
-            <a:r>
-              <a:rPr lang="en-US" sz="2400" dirty="0" smtClean="0">
-                <a:solidFill>
-                  <a:schemeClr val="tx1">
-                    <a:lumMod val="85000"/>
-                    <a:lumOff val="15000"/>
-                  </a:schemeClr>
-                </a:solidFill>
-              </a:rPr>
-              <a:t>implementation </a:t>
-            </a:r>
-            <a:r>
-              <a:rPr lang="en-US" sz="2400" dirty="0" smtClean="0">
-                <a:solidFill>
-                  <a:schemeClr val="tx1">
-                    <a:lumMod val="85000"/>
-                    <a:lumOff val="15000"/>
-                  </a:schemeClr>
-                </a:solidFill>
-              </a:rPr>
-              <a:t>using java</a:t>
+              <a:t>Data Structure implementation using java</a:t>
             </a:r>
             <a:endParaRPr lang="en-US" sz="2400" dirty="0">
               <a:solidFill>
@@ -3983,7 +3962,7 @@
                 <a16:creationId xmlns:a16="http://schemas.microsoft.com/office/drawing/2014/main" id="{E7A7CD63-7EC3-44F3-95D0-595C4019FF24}"/>
               </a:ext>
               <a:ext uri="{C183D7F6-B498-43B3-948B-1728B52AA6E4}">
-                <adec:decorative xmlns="" xmlns:adec="http://schemas.microsoft.com/office/drawing/2017/decorative" val="1"/>
+                <adec:decorative xmlns:adec="http://schemas.microsoft.com/office/drawing/2017/decorative" xmlns="" val="1"/>
               </a:ext>
             </a:extLst>
           </p:cNvPr>
@@ -4033,13 +4012,20 @@
     </p:spTree>
     <p:extLst>
       <p:ext uri="{BB962C8B-B14F-4D97-AF65-F5344CB8AC3E}">
-        <p14:creationId xmlns:p14="http://schemas.microsoft.com/office/powerpoint/2010/main" val="4043737824"/>
+        <p14:creationId xmlns:p14="http://schemas.microsoft.com/office/powerpoint/2010/main" val="3199839406"/>
       </p:ext>
     </p:extLst>
   </p:cSld>
   <p:clrMapOvr>
     <a:masterClrMapping/>
   </p:clrMapOvr>
+  <p:timing>
+    <p:tnLst>
+      <p:par>
+        <p:cTn id="1" dur="indefinite" restart="never" nodeType="tmRoot"/>
+      </p:par>
+    </p:tnLst>
+  </p:timing>
 </p:sld>
 </file>
 
@@ -4070,44 +4056,389 @@
             <p:ph type="title"/>
           </p:nvPr>
         </p:nvSpPr>
-        <p:spPr/>
-        <p:txBody>
-          <a:bodyPr/>
-          <a:lstStyle/>
-          <a:p>
-            <a:endParaRPr lang="en-US"/>
-          </a:p>
-        </p:txBody>
-      </p:sp>
-      <p:sp>
-        <p:nvSpPr>
-          <p:cNvPr id="3" name="Content Placeholder 2"/>
-          <p:cNvSpPr>
-            <a:spLocks noGrp="1"/>
-          </p:cNvSpPr>
+        <p:spPr>
+          <a:xfrm>
+            <a:off x="155448" y="237745"/>
+            <a:ext cx="4480560" cy="1380744"/>
+          </a:xfrm>
+        </p:spPr>
+        <p:txBody>
+          <a:bodyPr>
+            <a:noAutofit/>
+          </a:bodyPr>
+          <a:lstStyle/>
+          <a:p>
+            <a:pPr algn="ctr"/>
+            <a:r>
+              <a:rPr lang="en-US" sz="3000" dirty="0" smtClean="0"/>
+              <a:t>Queue</a:t>
+            </a:r>
+            <a:r>
+              <a:rPr lang="en-US" sz="3000" dirty="0"/>
+              <a:t/>
+            </a:r>
+            <a:br>
+              <a:rPr lang="en-US" sz="3000" dirty="0"/>
+            </a:br>
+            <a:r>
+              <a:rPr lang="en-US" sz="3000" dirty="0" smtClean="0"/>
+              <a:t>(Linked List </a:t>
+            </a:r>
+            <a:r>
+              <a:rPr lang="en-US" sz="3000" dirty="0"/>
+              <a:t>Implementation)</a:t>
+            </a:r>
+          </a:p>
+        </p:txBody>
+      </p:sp>
+      <p:sp>
+        <p:nvSpPr>
+          <p:cNvPr id="4" name="Text Placeholder 3"/>
+          <p:cNvSpPr>
+            <a:spLocks noGrp="1"/>
+          </p:cNvSpPr>
+          <p:nvPr>
+            <p:ph type="body" sz="half" idx="2"/>
+          </p:nvPr>
+        </p:nvSpPr>
+        <p:spPr>
+          <a:xfrm>
+            <a:off x="411480" y="1920240"/>
+            <a:ext cx="4087368" cy="4544568"/>
+          </a:xfrm>
+        </p:spPr>
+        <p:txBody>
+          <a:bodyPr>
+            <a:normAutofit/>
+          </a:bodyPr>
+          <a:lstStyle/>
+          <a:p>
+            <a:pPr marL="285750" indent="-285750">
+              <a:buFont typeface="Arial" panose="020B0604020202020204" pitchFamily="34" charset="0"/>
+              <a:buChar char="•"/>
+            </a:pPr>
+            <a:r>
+              <a:rPr lang="en-US" dirty="0"/>
+              <a:t>For the linked list implementation of the </a:t>
+            </a:r>
+            <a:r>
+              <a:rPr lang="en-US" dirty="0" smtClean="0"/>
+              <a:t>queue, </a:t>
+            </a:r>
+            <a:r>
+              <a:rPr lang="en-US" dirty="0"/>
+              <a:t>for the insertion operation, we would get time complexity as O(1).</a:t>
+            </a:r>
+          </a:p>
+          <a:p>
+            <a:pPr marL="285750" indent="-285750">
+              <a:buFont typeface="Arial" panose="020B0604020202020204" pitchFamily="34" charset="0"/>
+              <a:buChar char="•"/>
+            </a:pPr>
+            <a:r>
+              <a:rPr lang="en-US" dirty="0"/>
+              <a:t>In addition, for the removal operation, we would have time complexity as O(1</a:t>
+            </a:r>
+            <a:r>
+              <a:rPr lang="en-US" dirty="0" smtClean="0"/>
+              <a:t>).</a:t>
+            </a:r>
+            <a:endParaRPr lang="en-US" dirty="0"/>
+          </a:p>
+        </p:txBody>
+      </p:sp>
+      <p:pic>
+        <p:nvPicPr>
+          <p:cNvPr id="7" name="Content Placeholder 6"/>
+          <p:cNvPicPr>
+            <a:picLocks noGrp="1" noChangeAspect="1"/>
+          </p:cNvPicPr>
           <p:nvPr>
             <p:ph idx="1"/>
           </p:nvPr>
-        </p:nvSpPr>
-        <p:spPr/>
-        <p:txBody>
-          <a:bodyPr/>
-          <a:lstStyle/>
-          <a:p>
-            <a:endParaRPr lang="en-US"/>
-          </a:p>
-        </p:txBody>
-      </p:sp>
+        </p:nvPicPr>
+        <p:blipFill>
+          <a:blip r:embed="rId2">
+            <a:extLst>
+              <a:ext uri="{28A0092B-C50C-407E-A947-70E740481C1C}">
+                <a14:useLocalDpi xmlns:a14="http://schemas.microsoft.com/office/drawing/2010/main" val="0"/>
+              </a:ext>
+            </a:extLst>
+          </a:blip>
+          <a:stretch>
+            <a:fillRect/>
+          </a:stretch>
+        </p:blipFill>
+        <p:spPr>
+          <a:xfrm>
+            <a:off x="5010912" y="585217"/>
+            <a:ext cx="6757515" cy="5132692"/>
+          </a:xfrm>
+        </p:spPr>
+      </p:pic>
     </p:spTree>
     <p:extLst>
       <p:ext uri="{BB962C8B-B14F-4D97-AF65-F5344CB8AC3E}">
-        <p14:creationId xmlns:p14="http://schemas.microsoft.com/office/powerpoint/2010/main" val="731324046"/>
+        <p14:creationId xmlns:p14="http://schemas.microsoft.com/office/powerpoint/2010/main" val="3685412613"/>
       </p:ext>
     </p:extLst>
   </p:cSld>
   <p:clrMapOvr>
     <a:masterClrMapping/>
   </p:clrMapOvr>
+</p:sld>
+</file>
+
+<file path=ppt/slides/slide11.xml><?xml version="1.0" encoding="utf-8"?>
+<p:sld xmlns:a="http://schemas.openxmlformats.org/drawingml/2006/main" xmlns:r="http://schemas.openxmlformats.org/officeDocument/2006/relationships" xmlns:p="http://schemas.openxmlformats.org/presentationml/2006/main">
+  <p:cSld>
+    <p:bg>
+      <p:bgPr>
+        <a:solidFill>
+          <a:schemeClr val="bg1"/>
+        </a:solidFill>
+        <a:effectLst/>
+      </p:bgPr>
+    </p:bg>
+    <p:spTree>
+      <p:nvGrpSpPr>
+        <p:cNvPr id="1" name=""/>
+        <p:cNvGrpSpPr/>
+        <p:nvPr/>
+      </p:nvGrpSpPr>
+      <p:grpSpPr>
+        <a:xfrm>
+          <a:off x="0" y="0"/>
+          <a:ext cx="0" cy="0"/>
+          <a:chOff x="0" y="0"/>
+          <a:chExt cx="0" cy="0"/>
+        </a:xfrm>
+      </p:grpSpPr>
+      <p:sp>
+        <p:nvSpPr>
+          <p:cNvPr id="47" name="Rectangle 46">
+            <a:extLst>
+              <a:ext uri="{FF2B5EF4-FFF2-40B4-BE49-F238E27FC236}">
+                <a16:creationId xmlns:a16="http://schemas.microsoft.com/office/drawing/2014/main" id="{FBDCECDC-EEE3-4128-AA5E-82A8C08796E8}"/>
+              </a:ext>
+              <a:ext uri="{C183D7F6-B498-43B3-948B-1728B52AA6E4}">
+                <adec:decorative xmlns:adec="http://schemas.microsoft.com/office/drawing/2017/decorative" xmlns="" val="1"/>
+              </a:ext>
+            </a:extLst>
+          </p:cNvPr>
+          <p:cNvSpPr>
+            <a:spLocks noGrp="1" noRot="1" noChangeAspect="1" noMove="1" noResize="1" noEditPoints="1" noAdjustHandles="1" noChangeArrowheads="1" noChangeShapeType="1" noTextEdit="1"/>
+          </p:cNvSpPr>
+          <p:nvPr>
+            <p:extLst>
+              <p:ext uri="{386F3935-93C4-4BCD-93E2-E3B085C9AB24}">
+                <p16:designElem xmlns:p16="http://schemas.microsoft.com/office/powerpoint/2015/main" val="1"/>
+              </p:ext>
+            </p:extLst>
+          </p:nvPr>
+        </p:nvSpPr>
+        <p:spPr>
+          <a:xfrm>
+            <a:off x="1507" y="0"/>
+            <a:ext cx="12192000" cy="6858000"/>
+          </a:xfrm>
+          <a:prstGeom prst="rect">
+            <a:avLst/>
+          </a:prstGeom>
+          <a:solidFill>
+            <a:schemeClr val="accent1"/>
+          </a:solidFill>
+          <a:ln>
+            <a:noFill/>
+          </a:ln>
+        </p:spPr>
+        <p:style>
+          <a:lnRef idx="2">
+            <a:schemeClr val="accent1">
+              <a:shade val="50000"/>
+            </a:schemeClr>
+          </a:lnRef>
+          <a:fillRef idx="1">
+            <a:schemeClr val="accent1"/>
+          </a:fillRef>
+          <a:effectRef idx="0">
+            <a:schemeClr val="accent1"/>
+          </a:effectRef>
+          <a:fontRef idx="minor">
+            <a:schemeClr val="lt1"/>
+          </a:fontRef>
+        </p:style>
+        <p:txBody>
+          <a:bodyPr rtlCol="0" anchor="ctr"/>
+          <a:lstStyle/>
+          <a:p>
+            <a:pPr algn="ctr"/>
+            <a:endParaRPr lang="en-US"/>
+          </a:p>
+        </p:txBody>
+      </p:sp>
+      <p:sp>
+        <p:nvSpPr>
+          <p:cNvPr id="2" name="Title 1">
+            <a:extLst>
+              <a:ext uri="{FF2B5EF4-FFF2-40B4-BE49-F238E27FC236}">
+                <a16:creationId xmlns:a16="http://schemas.microsoft.com/office/drawing/2014/main" id="{9AB2EA78-AEB3-469B-9025-3B17201A457B}"/>
+              </a:ext>
+            </a:extLst>
+          </p:cNvPr>
+          <p:cNvSpPr>
+            <a:spLocks noGrp="1"/>
+          </p:cNvSpPr>
+          <p:nvPr>
+            <p:ph type="ctrTitle"/>
+          </p:nvPr>
+        </p:nvSpPr>
+        <p:spPr>
+          <a:xfrm>
+            <a:off x="1100051" y="1719072"/>
+            <a:ext cx="10058400" cy="1161288"/>
+          </a:xfrm>
+        </p:spPr>
+        <p:txBody>
+          <a:bodyPr anchor="ctr">
+            <a:normAutofit/>
+          </a:bodyPr>
+          <a:lstStyle/>
+          <a:p>
+            <a:pPr lvl="0" algn="ctr"/>
+            <a:r>
+              <a:rPr lang="en-US" sz="4800" i="1" dirty="0" smtClean="0">
+                <a:solidFill>
+                  <a:srgbClr val="FFFFFF"/>
+                </a:solidFill>
+              </a:rPr>
+              <a:t>The End</a:t>
+            </a:r>
+            <a:endParaRPr lang="en-US" sz="4800" i="1" dirty="0">
+              <a:solidFill>
+                <a:srgbClr val="FFFFFF"/>
+              </a:solidFill>
+            </a:endParaRPr>
+          </a:p>
+        </p:txBody>
+      </p:sp>
+      <p:sp>
+        <p:nvSpPr>
+          <p:cNvPr id="49" name="Rectangle 48">
+            <a:extLst>
+              <a:ext uri="{FF2B5EF4-FFF2-40B4-BE49-F238E27FC236}">
+                <a16:creationId xmlns:a16="http://schemas.microsoft.com/office/drawing/2014/main" id="{4260EDE0-989C-4E16-AF94-F652294D828E}"/>
+              </a:ext>
+              <a:ext uri="{C183D7F6-B498-43B3-948B-1728B52AA6E4}">
+                <adec:decorative xmlns:adec="http://schemas.microsoft.com/office/drawing/2017/decorative" xmlns="" val="1"/>
+              </a:ext>
+            </a:extLst>
+          </p:cNvPr>
+          <p:cNvSpPr>
+            <a:spLocks noGrp="1" noRot="1" noChangeAspect="1" noMove="1" noResize="1" noEditPoints="1" noAdjustHandles="1" noChangeArrowheads="1" noChangeShapeType="1" noTextEdit="1"/>
+          </p:cNvSpPr>
+          <p:nvPr>
+            <p:extLst>
+              <p:ext uri="{386F3935-93C4-4BCD-93E2-E3B085C9AB24}">
+                <p16:designElem xmlns:p16="http://schemas.microsoft.com/office/powerpoint/2015/main" val="1"/>
+              </p:ext>
+            </p:extLst>
+          </p:nvPr>
+        </p:nvSpPr>
+        <p:spPr bwMode="white">
+          <a:xfrm>
+            <a:off x="1507" y="4953000"/>
+            <a:ext cx="12188952" cy="1905000"/>
+          </a:xfrm>
+          <a:prstGeom prst="rect">
+            <a:avLst/>
+          </a:prstGeom>
+          <a:solidFill>
+            <a:srgbClr val="262626"/>
+          </a:solidFill>
+          <a:ln>
+            <a:noFill/>
+          </a:ln>
+        </p:spPr>
+        <p:style>
+          <a:lnRef idx="2">
+            <a:schemeClr val="accent1">
+              <a:shade val="50000"/>
+            </a:schemeClr>
+          </a:lnRef>
+          <a:fillRef idx="1">
+            <a:schemeClr val="accent1"/>
+          </a:fillRef>
+          <a:effectRef idx="0">
+            <a:schemeClr val="accent1"/>
+          </a:effectRef>
+          <a:fontRef idx="minor">
+            <a:schemeClr val="lt1"/>
+          </a:fontRef>
+        </p:style>
+      </p:sp>
+      <p:sp>
+        <p:nvSpPr>
+          <p:cNvPr id="3" name="Subtitle 2">
+            <a:extLst>
+              <a:ext uri="{FF2B5EF4-FFF2-40B4-BE49-F238E27FC236}">
+                <a16:creationId xmlns:a16="http://schemas.microsoft.com/office/drawing/2014/main" id="{255E1F2F-E259-4EA8-9FFD-3A10AF541859}"/>
+              </a:ext>
+            </a:extLst>
+          </p:cNvPr>
+          <p:cNvSpPr>
+            <a:spLocks noGrp="1"/>
+          </p:cNvSpPr>
+          <p:nvPr>
+            <p:ph type="subTitle" idx="1"/>
+          </p:nvPr>
+        </p:nvSpPr>
+        <p:spPr>
+          <a:xfrm>
+            <a:off x="1100051" y="5376672"/>
+            <a:ext cx="10058399" cy="991568"/>
+          </a:xfrm>
+        </p:spPr>
+        <p:txBody>
+          <a:bodyPr>
+            <a:normAutofit/>
+          </a:bodyPr>
+          <a:lstStyle/>
+          <a:p>
+            <a:pPr algn="ctr"/>
+            <a:r>
+              <a:rPr lang="en-US" sz="2800" dirty="0" smtClean="0">
+                <a:solidFill>
+                  <a:srgbClr val="FFFFFF"/>
+                </a:solidFill>
+              </a:rPr>
+              <a:t>Thank You!</a:t>
+            </a:r>
+            <a:endParaRPr lang="en-US" sz="2800" dirty="0">
+              <a:solidFill>
+                <a:srgbClr val="FFFFFF"/>
+              </a:solidFill>
+            </a:endParaRPr>
+          </a:p>
+        </p:txBody>
+      </p:sp>
+    </p:spTree>
+    <p:extLst>
+      <p:ext uri="{BB962C8B-B14F-4D97-AF65-F5344CB8AC3E}">
+        <p14:creationId xmlns:p14="http://schemas.microsoft.com/office/powerpoint/2010/main" val="191714609"/>
+      </p:ext>
+    </p:extLst>
+  </p:cSld>
+  <p:clrMapOvr>
+    <a:masterClrMapping/>
+  </p:clrMapOvr>
+  <p:timing>
+    <p:tnLst>
+      <p:par>
+        <p:cTn id="1" dur="indefinite" restart="never" nodeType="tmRoot"/>
+      </p:par>
+    </p:tnLst>
+  </p:timing>
 </p:sld>
 </file>
 
@@ -4144,7 +4475,7 @@
                 <a16:creationId xmlns:a16="http://schemas.microsoft.com/office/drawing/2014/main" id="{FBDCECDC-EEE3-4128-AA5E-82A8C08796E8}"/>
               </a:ext>
               <a:ext uri="{C183D7F6-B498-43B3-948B-1728B52AA6E4}">
-                <adec:decorative xmlns="" xmlns:adec="http://schemas.microsoft.com/office/drawing/2017/decorative" val="1"/>
+                <adec:decorative xmlns:adec="http://schemas.microsoft.com/office/drawing/2017/decorative" xmlns="" val="1"/>
               </a:ext>
             </a:extLst>
           </p:cNvPr>
@@ -4201,50 +4532,13 @@
       </p:sp>
       <p:sp>
         <p:nvSpPr>
-          <p:cNvPr id="2" name="Title 1">
-            <a:extLst>
-              <a:ext uri="{FF2B5EF4-FFF2-40B4-BE49-F238E27FC236}">
-                <a16:creationId xmlns:a16="http://schemas.microsoft.com/office/drawing/2014/main" id="{9AB2EA78-AEB3-469B-9025-3B17201A457B}"/>
-              </a:ext>
-            </a:extLst>
-          </p:cNvPr>
-          <p:cNvSpPr>
-            <a:spLocks noGrp="1"/>
-          </p:cNvSpPr>
-          <p:nvPr>
-            <p:ph type="ctrTitle"/>
-          </p:nvPr>
-        </p:nvSpPr>
-        <p:spPr>
-          <a:xfrm>
-            <a:off x="1097280" y="758952"/>
-            <a:ext cx="10058400" cy="3892168"/>
-          </a:xfrm>
-        </p:spPr>
-        <p:txBody>
-          <a:bodyPr anchor="ctr">
-            <a:normAutofit/>
-          </a:bodyPr>
-          <a:lstStyle/>
-          <a:p>
-            <a:pPr lvl="0"/>
-            <a:endParaRPr lang="en-US" sz="4800" i="1" dirty="0">
-              <a:solidFill>
-                <a:srgbClr val="FFFFFF"/>
-              </a:solidFill>
-            </a:endParaRPr>
-          </a:p>
-        </p:txBody>
-      </p:sp>
-      <p:sp>
-        <p:nvSpPr>
           <p:cNvPr id="49" name="Rectangle 48">
             <a:extLst>
               <a:ext uri="{FF2B5EF4-FFF2-40B4-BE49-F238E27FC236}">
                 <a16:creationId xmlns:a16="http://schemas.microsoft.com/office/drawing/2014/main" id="{4260EDE0-989C-4E16-AF94-F652294D828E}"/>
               </a:ext>
               <a:ext uri="{C183D7F6-B498-43B3-948B-1728B52AA6E4}">
-                <adec:decorative xmlns="" xmlns:adec="http://schemas.microsoft.com/office/drawing/2017/decorative" val="1"/>
+                <adec:decorative xmlns:adec="http://schemas.microsoft.com/office/drawing/2017/decorative" xmlns="" val="1"/>
               </a:ext>
             </a:extLst>
           </p:cNvPr>
@@ -4310,7 +4604,7 @@
         <p:spPr>
           <a:xfrm>
             <a:off x="1100051" y="5225240"/>
-            <a:ext cx="10058400" cy="1143000"/>
+            <a:ext cx="10058400" cy="1257856"/>
           </a:xfrm>
         </p:spPr>
         <p:txBody>
@@ -4320,12 +4614,174 @@
           <a:lstStyle/>
           <a:p>
             <a:r>
-              <a:rPr lang="en-US">
+              <a:rPr lang="en-US" sz="2800" dirty="0" smtClean="0">
                 <a:solidFill>
                   <a:srgbClr val="FFFFFF"/>
                 </a:solidFill>
               </a:rPr>
-              <a:t>- Neil Armstrong</a:t>
+              <a:t>Supervised by:</a:t>
+            </a:r>
+          </a:p>
+          <a:p>
+            <a:r>
+              <a:rPr lang="en-US" sz="2800" dirty="0" smtClean="0">
+                <a:solidFill>
+                  <a:srgbClr val="FFFFFF"/>
+                </a:solidFill>
+              </a:rPr>
+              <a:t>	Prof. Dr. Mahmoud Ali</a:t>
+            </a:r>
+            <a:endParaRPr lang="en-US" sz="2800" dirty="0">
+              <a:solidFill>
+                <a:srgbClr val="FFFFFF"/>
+              </a:solidFill>
+            </a:endParaRPr>
+          </a:p>
+        </p:txBody>
+      </p:sp>
+      <p:sp>
+        <p:nvSpPr>
+          <p:cNvPr id="6" name="Title 1"/>
+          <p:cNvSpPr txBox="1">
+            <a:spLocks/>
+          </p:cNvSpPr>
+          <p:nvPr/>
+        </p:nvSpPr>
+        <p:spPr>
+          <a:xfrm>
+            <a:off x="1097280" y="286603"/>
+            <a:ext cx="10058400" cy="1057565"/>
+          </a:xfrm>
+          <a:prstGeom prst="rect">
+            <a:avLst/>
+          </a:prstGeom>
+        </p:spPr>
+        <p:txBody>
+          <a:bodyPr vert="horz" lIns="91440" tIns="45720" rIns="91440" bIns="45720" rtlCol="0" anchor="b">
+            <a:noAutofit/>
+          </a:bodyPr>
+          <a:lstStyle>
+            <a:lvl1pPr algn="l" defTabSz="914400" rtl="0" eaLnBrk="1" latinLnBrk="0" hangingPunct="1">
+              <a:lnSpc>
+                <a:spcPct val="90000"/>
+              </a:lnSpc>
+              <a:spcBef>
+                <a:spcPct val="0"/>
+              </a:spcBef>
+              <a:buNone/>
+              <a:defRPr sz="8000" i="0" kern="1200" spc="-50" baseline="0">
+                <a:solidFill>
+                  <a:schemeClr val="tx1">
+                    <a:lumMod val="85000"/>
+                    <a:lumOff val="15000"/>
+                  </a:schemeClr>
+                </a:solidFill>
+                <a:latin typeface="+mj-lt"/>
+                <a:ea typeface="+mj-ea"/>
+                <a:cs typeface="+mj-cs"/>
+              </a:defRPr>
+            </a:lvl1pPr>
+          </a:lstStyle>
+          <a:p>
+            <a:pPr algn="ctr"/>
+            <a:r>
+              <a:rPr lang="en-US" sz="6000" dirty="0" smtClean="0"/>
+              <a:t>Project Team</a:t>
+            </a:r>
+            <a:endParaRPr lang="en-US" sz="6000" dirty="0"/>
+          </a:p>
+        </p:txBody>
+      </p:sp>
+      <p:sp>
+        <p:nvSpPr>
+          <p:cNvPr id="9" name="Title 1"/>
+          <p:cNvSpPr txBox="1">
+            <a:spLocks/>
+          </p:cNvSpPr>
+          <p:nvPr/>
+        </p:nvSpPr>
+        <p:spPr>
+          <a:xfrm>
+            <a:off x="1097280" y="1435608"/>
+            <a:ext cx="10058400" cy="2642616"/>
+          </a:xfrm>
+          <a:prstGeom prst="rect">
+            <a:avLst/>
+          </a:prstGeom>
+        </p:spPr>
+        <p:txBody>
+          <a:bodyPr vert="horz" lIns="91440" tIns="45720" rIns="91440" bIns="45720" rtlCol="0" anchor="b">
+            <a:normAutofit/>
+          </a:bodyPr>
+          <a:lstStyle>
+            <a:lvl1pPr algn="l" defTabSz="914400" rtl="0" eaLnBrk="1" latinLnBrk="0" hangingPunct="1">
+              <a:lnSpc>
+                <a:spcPct val="90000"/>
+              </a:lnSpc>
+              <a:spcBef>
+                <a:spcPct val="0"/>
+              </a:spcBef>
+              <a:buNone/>
+              <a:defRPr sz="8000" i="0" kern="1200" spc="-50" baseline="0">
+                <a:solidFill>
+                  <a:schemeClr val="tx1">
+                    <a:lumMod val="85000"/>
+                    <a:lumOff val="15000"/>
+                  </a:schemeClr>
+                </a:solidFill>
+                <a:latin typeface="+mj-lt"/>
+                <a:ea typeface="+mj-ea"/>
+                <a:cs typeface="+mj-cs"/>
+              </a:defRPr>
+            </a:lvl1pPr>
+          </a:lstStyle>
+          <a:p>
+            <a:pPr marL="742950" indent="-742950">
+              <a:lnSpc>
+                <a:spcPct val="150000"/>
+              </a:lnSpc>
+              <a:buAutoNum type="arabicPeriod"/>
+            </a:pPr>
+            <a:r>
+              <a:rPr lang="en-US" sz="3600" dirty="0" err="1" smtClean="0"/>
+              <a:t>Eman</a:t>
+            </a:r>
+            <a:r>
+              <a:rPr lang="en-US" sz="3600" dirty="0" smtClean="0"/>
+              <a:t> </a:t>
+            </a:r>
+            <a:r>
+              <a:rPr lang="en-US" sz="3600" dirty="0" err="1" smtClean="0"/>
+              <a:t>Mamdouh</a:t>
+            </a:r>
+            <a:endParaRPr lang="en-US" sz="3600" dirty="0" smtClean="0"/>
+          </a:p>
+          <a:p>
+            <a:pPr marL="742950" indent="-742950">
+              <a:lnSpc>
+                <a:spcPct val="150000"/>
+              </a:lnSpc>
+              <a:buAutoNum type="arabicPeriod"/>
+            </a:pPr>
+            <a:r>
+              <a:rPr lang="en-US" sz="3600" dirty="0" err="1" smtClean="0"/>
+              <a:t>Fatma</a:t>
+            </a:r>
+            <a:r>
+              <a:rPr lang="en-US" sz="3600" dirty="0" smtClean="0"/>
+              <a:t> Mohamed</a:t>
+            </a:r>
+          </a:p>
+          <a:p>
+            <a:pPr marL="742950" indent="-742950">
+              <a:lnSpc>
+                <a:spcPct val="150000"/>
+              </a:lnSpc>
+              <a:buAutoNum type="arabicPeriod"/>
+            </a:pPr>
+            <a:r>
+              <a:rPr lang="en-US" sz="3600" dirty="0" smtClean="0"/>
+              <a:t>Rowan Omar</a:t>
             </a:r>
           </a:p>
         </p:txBody>
@@ -4333,27 +4789,26 @@
     </p:spTree>
     <p:extLst>
       <p:ext uri="{BB962C8B-B14F-4D97-AF65-F5344CB8AC3E}">
-        <p14:creationId xmlns:p14="http://schemas.microsoft.com/office/powerpoint/2010/main" val="191714609"/>
+        <p14:creationId xmlns:p14="http://schemas.microsoft.com/office/powerpoint/2010/main" val="487896889"/>
       </p:ext>
     </p:extLst>
   </p:cSld>
   <p:clrMapOvr>
     <a:masterClrMapping/>
   </p:clrMapOvr>
+  <p:timing>
+    <p:tnLst>
+      <p:par>
+        <p:cTn id="1" dur="indefinite" restart="never" nodeType="tmRoot"/>
+      </p:par>
+    </p:tnLst>
+  </p:timing>
 </p:sld>
 </file>
 
 <file path=ppt/slides/slide3.xml><?xml version="1.0" encoding="utf-8"?>
 <p:sld xmlns:a="http://schemas.openxmlformats.org/drawingml/2006/main" xmlns:r="http://schemas.openxmlformats.org/officeDocument/2006/relationships" xmlns:p="http://schemas.openxmlformats.org/presentationml/2006/main">
   <p:cSld>
-    <p:bg>
-      <p:bgPr>
-        <a:solidFill>
-          <a:schemeClr val="bg1"/>
-        </a:solidFill>
-        <a:effectLst/>
-      </p:bgPr>
-    </p:bg>
     <p:spTree>
       <p:nvGrpSpPr>
         <p:cNvPr id="1" name=""/>
@@ -4370,211 +4825,153 @@
       </p:grpSpPr>
       <p:sp>
         <p:nvSpPr>
-          <p:cNvPr id="47" name="Rectangle 46">
-            <a:extLst>
-              <a:ext uri="{FF2B5EF4-FFF2-40B4-BE49-F238E27FC236}">
-                <a16:creationId xmlns:a16="http://schemas.microsoft.com/office/drawing/2014/main" id="{FBDCECDC-EEE3-4128-AA5E-82A8C08796E8}"/>
-              </a:ext>
-              <a:ext uri="{C183D7F6-B498-43B3-948B-1728B52AA6E4}">
-                <adec:decorative xmlns="" xmlns:adec="http://schemas.microsoft.com/office/drawing/2017/decorative" val="1"/>
-              </a:ext>
-            </a:extLst>
-          </p:cNvPr>
-          <p:cNvSpPr>
-            <a:spLocks noGrp="1" noRot="1" noChangeAspect="1" noMove="1" noResize="1" noEditPoints="1" noAdjustHandles="1" noChangeArrowheads="1" noChangeShapeType="1" noTextEdit="1"/>
-          </p:cNvSpPr>
-          <p:nvPr>
-            <p:extLst>
-              <p:ext uri="{386F3935-93C4-4BCD-93E2-E3B085C9AB24}">
-                <p16:designElem xmlns:p16="http://schemas.microsoft.com/office/powerpoint/2015/main" val="1"/>
-              </p:ext>
-            </p:extLst>
-          </p:nvPr>
-        </p:nvSpPr>
-        <p:spPr>
-          <a:xfrm>
-            <a:off x="1507" y="0"/>
-            <a:ext cx="12192000" cy="6858000"/>
+          <p:cNvPr id="2" name="Title 1"/>
+          <p:cNvSpPr>
+            <a:spLocks noGrp="1"/>
+          </p:cNvSpPr>
+          <p:nvPr>
+            <p:ph type="title"/>
+          </p:nvPr>
+        </p:nvSpPr>
+        <p:spPr>
+          <a:xfrm>
+            <a:off x="643466" y="430307"/>
+            <a:ext cx="3517567" cy="1290918"/>
+          </a:xfrm>
+        </p:spPr>
+        <p:txBody>
+          <a:bodyPr>
+            <a:normAutofit/>
+          </a:bodyPr>
+          <a:lstStyle/>
+          <a:p>
+            <a:r>
+              <a:rPr lang="en-US" dirty="0" smtClean="0"/>
+              <a:t>Project entry window</a:t>
+            </a:r>
+            <a:endParaRPr lang="en-US" dirty="0"/>
+          </a:p>
+        </p:txBody>
+      </p:sp>
+      <p:pic>
+        <p:nvPicPr>
+          <p:cNvPr id="5" name="Content Placeholder 4"/>
+          <p:cNvPicPr>
+            <a:picLocks noGrp="1" noChangeAspect="1"/>
+          </p:cNvPicPr>
+          <p:nvPr>
+            <p:ph idx="1"/>
+          </p:nvPr>
+        </p:nvPicPr>
+        <p:blipFill>
+          <a:blip r:embed="rId2"/>
+          <a:stretch>
+            <a:fillRect/>
+          </a:stretch>
+        </p:blipFill>
+        <p:spPr>
+          <a:xfrm>
+            <a:off x="4643719" y="645459"/>
+            <a:ext cx="7548282" cy="5629835"/>
           </a:xfrm>
           <a:prstGeom prst="rect">
             <a:avLst/>
           </a:prstGeom>
-          <a:solidFill>
-            <a:schemeClr val="accent1"/>
-          </a:solidFill>
-          <a:ln>
-            <a:noFill/>
-          </a:ln>
-        </p:spPr>
-        <p:style>
-          <a:lnRef idx="2">
-            <a:schemeClr val="accent1">
-              <a:shade val="50000"/>
-            </a:schemeClr>
-          </a:lnRef>
-          <a:fillRef idx="1">
-            <a:schemeClr val="accent1"/>
-          </a:fillRef>
-          <a:effectRef idx="0">
-            <a:schemeClr val="accent1"/>
-          </a:effectRef>
-          <a:fontRef idx="minor">
-            <a:schemeClr val="lt1"/>
-          </a:fontRef>
-        </p:style>
-        <p:txBody>
-          <a:bodyPr rtlCol="0" anchor="ctr"/>
-          <a:lstStyle/>
-          <a:p>
-            <a:pPr algn="ctr"/>
-            <a:endParaRPr lang="en-US"/>
-          </a:p>
-        </p:txBody>
-      </p:sp>
-      <p:sp>
-        <p:nvSpPr>
-          <p:cNvPr id="2" name="Title 1">
-            <a:extLst>
-              <a:ext uri="{FF2B5EF4-FFF2-40B4-BE49-F238E27FC236}">
-                <a16:creationId xmlns:a16="http://schemas.microsoft.com/office/drawing/2014/main" id="{9AB2EA78-AEB3-469B-9025-3B17201A457B}"/>
-              </a:ext>
-            </a:extLst>
-          </p:cNvPr>
-          <p:cNvSpPr>
-            <a:spLocks noGrp="1"/>
-          </p:cNvSpPr>
-          <p:nvPr>
-            <p:ph type="ctrTitle"/>
-          </p:nvPr>
-        </p:nvSpPr>
-        <p:spPr>
-          <a:xfrm>
-            <a:off x="1097280" y="758952"/>
-            <a:ext cx="10058400" cy="3892168"/>
-          </a:xfrm>
-        </p:spPr>
-        <p:txBody>
-          <a:bodyPr anchor="ctr">
-            <a:normAutofit/>
+        </p:spPr>
+      </p:pic>
+      <p:sp>
+        <p:nvSpPr>
+          <p:cNvPr id="4" name="Text Placeholder 3"/>
+          <p:cNvSpPr>
+            <a:spLocks noGrp="1"/>
+          </p:cNvSpPr>
+          <p:nvPr>
+            <p:ph type="body" sz="half" idx="2"/>
+          </p:nvPr>
+        </p:nvSpPr>
+        <p:spPr>
+          <a:xfrm>
+            <a:off x="340659" y="1954306"/>
+            <a:ext cx="4069976" cy="4320988"/>
+          </a:xfrm>
+        </p:spPr>
+        <p:txBody>
+          <a:bodyPr>
+            <a:normAutofit fontScale="92500" lnSpcReduction="10000"/>
           </a:bodyPr>
           <a:lstStyle/>
           <a:p>
-            <a:pPr lvl="0"/>
-            <a:r>
-              <a:rPr lang="en-US" sz="4800" i="1" dirty="0">
-                <a:solidFill>
-                  <a:srgbClr val="FFFFFF"/>
-                </a:solidFill>
-              </a:rPr>
-              <a:t>Your best quote that reflects your approach… “It’s one small step for man, one giant leap for mankind.”</a:t>
-            </a:r>
-          </a:p>
-        </p:txBody>
-      </p:sp>
-      <p:sp>
-        <p:nvSpPr>
-          <p:cNvPr id="49" name="Rectangle 48">
-            <a:extLst>
-              <a:ext uri="{FF2B5EF4-FFF2-40B4-BE49-F238E27FC236}">
-                <a16:creationId xmlns:a16="http://schemas.microsoft.com/office/drawing/2014/main" id="{4260EDE0-989C-4E16-AF94-F652294D828E}"/>
-              </a:ext>
-              <a:ext uri="{C183D7F6-B498-43B3-948B-1728B52AA6E4}">
-                <adec:decorative xmlns="" xmlns:adec="http://schemas.microsoft.com/office/drawing/2017/decorative" val="1"/>
-              </a:ext>
-            </a:extLst>
-          </p:cNvPr>
-          <p:cNvSpPr>
-            <a:spLocks noGrp="1" noRot="1" noChangeAspect="1" noMove="1" noResize="1" noEditPoints="1" noAdjustHandles="1" noChangeArrowheads="1" noChangeShapeType="1" noTextEdit="1"/>
-          </p:cNvSpPr>
-          <p:nvPr>
-            <p:extLst>
-              <p:ext uri="{386F3935-93C4-4BCD-93E2-E3B085C9AB24}">
-                <p16:designElem xmlns:p16="http://schemas.microsoft.com/office/powerpoint/2015/main" val="1"/>
-              </p:ext>
-            </p:extLst>
-          </p:nvPr>
-        </p:nvSpPr>
-        <p:spPr bwMode="white">
-          <a:xfrm>
-            <a:off x="1507" y="4953000"/>
-            <a:ext cx="12188952" cy="1905000"/>
-          </a:xfrm>
-          <a:prstGeom prst="rect">
-            <a:avLst/>
-          </a:prstGeom>
-          <a:solidFill>
-            <a:srgbClr val="262626"/>
-          </a:solidFill>
-          <a:ln>
-            <a:noFill/>
-          </a:ln>
-        </p:spPr>
-        <p:style>
-          <a:lnRef idx="2">
-            <a:schemeClr val="accent1">
-              <a:shade val="50000"/>
-            </a:schemeClr>
-          </a:lnRef>
-          <a:fillRef idx="1">
-            <a:schemeClr val="accent1"/>
-          </a:fillRef>
-          <a:effectRef idx="0">
-            <a:schemeClr val="accent1"/>
-          </a:effectRef>
-          <a:fontRef idx="minor">
-            <a:schemeClr val="lt1"/>
-          </a:fontRef>
-        </p:style>
-      </p:sp>
-      <p:sp>
-        <p:nvSpPr>
-          <p:cNvPr id="3" name="Subtitle 2">
-            <a:extLst>
-              <a:ext uri="{FF2B5EF4-FFF2-40B4-BE49-F238E27FC236}">
-                <a16:creationId xmlns:a16="http://schemas.microsoft.com/office/drawing/2014/main" id="{255E1F2F-E259-4EA8-9FFD-3A10AF541859}"/>
-              </a:ext>
-            </a:extLst>
-          </p:cNvPr>
-          <p:cNvSpPr>
-            <a:spLocks noGrp="1"/>
-          </p:cNvSpPr>
-          <p:nvPr>
-            <p:ph type="subTitle" idx="1"/>
-          </p:nvPr>
-        </p:nvSpPr>
-        <p:spPr>
-          <a:xfrm>
-            <a:off x="1100051" y="5225240"/>
-            <a:ext cx="10058400" cy="1143000"/>
-          </a:xfrm>
-        </p:spPr>
-        <p:txBody>
-          <a:bodyPr>
-            <a:normAutofit/>
-          </a:bodyPr>
-          <a:lstStyle/>
-          <a:p>
-            <a:r>
-              <a:rPr lang="en-US">
-                <a:solidFill>
-                  <a:srgbClr val="FFFFFF"/>
-                </a:solidFill>
-              </a:rPr>
-              <a:t>- Neil Armstrong</a:t>
-            </a:r>
+            <a:pPr marL="285750" indent="-285750">
+              <a:buFont typeface="Arial" panose="020B0604020202020204" pitchFamily="34" charset="0"/>
+              <a:buChar char="•"/>
+            </a:pPr>
+            <a:r>
+              <a:rPr lang="en-US" dirty="0" smtClean="0"/>
+              <a:t>When the user runs the program, the start window of the program appears.</a:t>
+            </a:r>
+          </a:p>
+          <a:p>
+            <a:pPr marL="285750" indent="-285750">
+              <a:buFont typeface="Arial" panose="020B0604020202020204" pitchFamily="34" charset="0"/>
+              <a:buChar char="•"/>
+            </a:pPr>
+            <a:r>
+              <a:rPr lang="en-US" dirty="0" smtClean="0"/>
+              <a:t>Here, the user is capable of selecting different data structures and some with different implementations to help selecting “best” data structure.</a:t>
+            </a:r>
+          </a:p>
+          <a:p>
+            <a:pPr marL="285750" indent="-285750">
+              <a:buFont typeface="Arial" panose="020B0604020202020204" pitchFamily="34" charset="0"/>
+              <a:buChar char="•"/>
+            </a:pPr>
+            <a:r>
+              <a:rPr lang="en-US" dirty="0" smtClean="0"/>
+              <a:t>The user can enter either strings or integers in his/her selected data structure and they are informed when something goes wrong.</a:t>
+            </a:r>
+          </a:p>
+          <a:p>
+            <a:pPr marL="285750" indent="-285750">
+              <a:buFont typeface="Arial" panose="020B0604020202020204" pitchFamily="34" charset="0"/>
+              <a:buChar char="•"/>
+            </a:pPr>
+            <a:r>
+              <a:rPr lang="en-US" dirty="0"/>
+              <a:t>We </a:t>
+            </a:r>
+            <a:r>
+              <a:rPr lang="en-US" dirty="0" smtClean="0"/>
+              <a:t>need </a:t>
+            </a:r>
+            <a:r>
+              <a:rPr lang="en-US" dirty="0"/>
+              <a:t>to mention that if the user wants to perform </a:t>
+            </a:r>
+            <a:r>
+              <a:rPr lang="en-US" dirty="0" smtClean="0"/>
+              <a:t>the removal operation, they must do the removal before adding any new item.</a:t>
+            </a:r>
+            <a:endParaRPr lang="en-US" dirty="0"/>
           </a:p>
         </p:txBody>
       </p:sp>
     </p:spTree>
     <p:extLst>
       <p:ext uri="{BB962C8B-B14F-4D97-AF65-F5344CB8AC3E}">
-        <p14:creationId xmlns:p14="http://schemas.microsoft.com/office/powerpoint/2010/main" val="487896889"/>
+        <p14:creationId xmlns:p14="http://schemas.microsoft.com/office/powerpoint/2010/main" val="1809124084"/>
       </p:ext>
     </p:extLst>
   </p:cSld>
   <p:clrMapOvr>
     <a:masterClrMapping/>
   </p:clrMapOvr>
+  <p:timing>
+    <p:tnLst>
+      <p:par>
+        <p:cTn id="1" dur="indefinite" restart="never" nodeType="tmRoot"/>
+      </p:par>
+    </p:tnLst>
+  </p:timing>
 </p:sld>
 </file>
 
@@ -4617,9 +5014,79 @@
           </a:bodyPr>
           <a:lstStyle/>
           <a:p>
+            <a:pPr algn="ctr"/>
             <a:r>
               <a:rPr lang="en-US" dirty="0" smtClean="0"/>
-              <a:t>Project entry window</a:t>
+              <a:t>Array</a:t>
+            </a:r>
+            <a:br>
+              <a:rPr lang="en-US" dirty="0" smtClean="0"/>
+            </a:br>
+            <a:r>
+              <a:rPr lang="en-US" dirty="0" smtClean="0"/>
+              <a:t>Data Structure</a:t>
+            </a:r>
+            <a:endParaRPr lang="en-US" dirty="0"/>
+          </a:p>
+        </p:txBody>
+      </p:sp>
+      <p:sp>
+        <p:nvSpPr>
+          <p:cNvPr id="4" name="Text Placeholder 3"/>
+          <p:cNvSpPr>
+            <a:spLocks noGrp="1"/>
+          </p:cNvSpPr>
+          <p:nvPr>
+            <p:ph type="body" sz="half" idx="2"/>
+          </p:nvPr>
+        </p:nvSpPr>
+        <p:spPr>
+          <a:xfrm>
+            <a:off x="340659" y="1954306"/>
+            <a:ext cx="4069976" cy="4153249"/>
+          </a:xfrm>
+        </p:spPr>
+        <p:txBody>
+          <a:bodyPr>
+            <a:normAutofit/>
+          </a:bodyPr>
+          <a:lstStyle/>
+          <a:p>
+            <a:pPr marL="285750" indent="-285750">
+              <a:buFont typeface="Arial" panose="020B0604020202020204" pitchFamily="34" charset="0"/>
+              <a:buChar char="•"/>
+            </a:pPr>
+            <a:r>
+              <a:rPr lang="en-US" dirty="0" smtClean="0"/>
+              <a:t>If the user selects the array data structure, a window will appear where the user could do some operations on that data structure.</a:t>
+            </a:r>
+          </a:p>
+          <a:p>
+            <a:pPr marL="285750" indent="-285750">
+              <a:buFont typeface="Arial" panose="020B0604020202020204" pitchFamily="34" charset="0"/>
+              <a:buChar char="•"/>
+            </a:pPr>
+            <a:r>
+              <a:rPr lang="en-US" dirty="0" smtClean="0"/>
+              <a:t>If the user is to choose to add an item, he/she needs to enter that item in the first text field, and how many times this item will be repeated in the array in the second text filed.</a:t>
+            </a:r>
+          </a:p>
+          <a:p>
+            <a:pPr marL="285750" indent="-285750">
+              <a:buFont typeface="Arial" panose="020B0604020202020204" pitchFamily="34" charset="0"/>
+              <a:buChar char="•"/>
+            </a:pPr>
+            <a:r>
+              <a:rPr lang="en-US" dirty="0" smtClean="0"/>
+              <a:t>// </a:t>
+            </a:r>
+            <a:r>
+              <a:rPr lang="en-US" dirty="0" err="1" smtClean="0"/>
+              <a:t>aktb</a:t>
+            </a:r>
+            <a:r>
+              <a:rPr lang="en-US" dirty="0" smtClean="0"/>
+              <a:t> el performance</a:t>
             </a:r>
             <a:endParaRPr lang="en-US" dirty="0"/>
           </a:p>
@@ -4643,104 +5110,31 @@
         </p:blipFill>
         <p:spPr>
           <a:xfrm>
-            <a:off x="4643719" y="645459"/>
-            <a:ext cx="7548282" cy="5629835"/>
+            <a:off x="4855464" y="658368"/>
+            <a:ext cx="7086600" cy="5349240"/>
           </a:xfrm>
           <a:prstGeom prst="rect">
             <a:avLst/>
           </a:prstGeom>
         </p:spPr>
       </p:pic>
-      <p:sp>
-        <p:nvSpPr>
-          <p:cNvPr id="4" name="Text Placeholder 3"/>
-          <p:cNvSpPr>
-            <a:spLocks noGrp="1"/>
-          </p:cNvSpPr>
-          <p:nvPr>
-            <p:ph type="body" sz="half" idx="2"/>
-          </p:nvPr>
-        </p:nvSpPr>
-        <p:spPr>
-          <a:xfrm>
-            <a:off x="340659" y="1954306"/>
-            <a:ext cx="4069976" cy="4320988"/>
-          </a:xfrm>
-        </p:spPr>
-        <p:txBody>
-          <a:bodyPr>
-            <a:normAutofit fontScale="92500" lnSpcReduction="10000"/>
-          </a:bodyPr>
-          <a:lstStyle/>
-          <a:p>
-            <a:pPr marL="285750" indent="-285750">
-              <a:buFont typeface="Arial" panose="020B0604020202020204" pitchFamily="34" charset="0"/>
-              <a:buChar char="•"/>
-            </a:pPr>
-            <a:r>
-              <a:rPr lang="en-US" dirty="0" smtClean="0"/>
-              <a:t>When the user runs the program, the start window of the program appears.</a:t>
-            </a:r>
-          </a:p>
-          <a:p>
-            <a:pPr marL="285750" indent="-285750">
-              <a:buFont typeface="Arial" panose="020B0604020202020204" pitchFamily="34" charset="0"/>
-              <a:buChar char="•"/>
-            </a:pPr>
-            <a:r>
-              <a:rPr lang="en-US" dirty="0" smtClean="0"/>
-              <a:t>Here, the user is capable of selecting different data structures and some with different implementations to help selecting “best” data structure.</a:t>
-            </a:r>
-          </a:p>
-          <a:p>
-            <a:pPr marL="285750" indent="-285750">
-              <a:buFont typeface="Arial" panose="020B0604020202020204" pitchFamily="34" charset="0"/>
-              <a:buChar char="•"/>
-            </a:pPr>
-            <a:r>
-              <a:rPr lang="en-US" dirty="0" smtClean="0"/>
-              <a:t>The user can enter either strings or integers in his/her selected data structure and they are informed when something goes wrong</a:t>
-            </a:r>
-            <a:r>
-              <a:rPr lang="en-US" dirty="0" smtClean="0"/>
-              <a:t>.</a:t>
-            </a:r>
-          </a:p>
-          <a:p>
-            <a:pPr marL="285750" indent="-285750">
-              <a:buFont typeface="Arial" panose="020B0604020202020204" pitchFamily="34" charset="0"/>
-              <a:buChar char="•"/>
-            </a:pPr>
-            <a:r>
-              <a:rPr lang="en-US" dirty="0"/>
-              <a:t>We </a:t>
-            </a:r>
-            <a:r>
-              <a:rPr lang="en-US" dirty="0" smtClean="0"/>
-              <a:t>need </a:t>
-            </a:r>
-            <a:r>
-              <a:rPr lang="en-US" dirty="0"/>
-              <a:t>to mention that if the user wants to perform </a:t>
-            </a:r>
-            <a:r>
-              <a:rPr lang="en-US" dirty="0" smtClean="0"/>
-              <a:t>the removal operation, they must do the removal before adding any new item.</a:t>
-            </a:r>
-            <a:endParaRPr lang="en-US" dirty="0"/>
-          </a:p>
-        </p:txBody>
-      </p:sp>
     </p:spTree>
     <p:extLst>
       <p:ext uri="{BB962C8B-B14F-4D97-AF65-F5344CB8AC3E}">
-        <p14:creationId xmlns:p14="http://schemas.microsoft.com/office/powerpoint/2010/main" val="1809124084"/>
+        <p14:creationId xmlns:p14="http://schemas.microsoft.com/office/powerpoint/2010/main" val="1104787190"/>
       </p:ext>
     </p:extLst>
   </p:cSld>
   <p:clrMapOvr>
     <a:masterClrMapping/>
   </p:clrMapOvr>
+  <p:timing>
+    <p:tnLst>
+      <p:par>
+        <p:cTn id="1" dur="indefinite" restart="never" nodeType="tmRoot"/>
+      </p:par>
+    </p:tnLst>
+  </p:timing>
 </p:sld>
 </file>
 
@@ -4779,7 +5173,7 @@
         </p:spPr>
         <p:txBody>
           <a:bodyPr>
-            <a:normAutofit/>
+            <a:normAutofit fontScale="90000"/>
           </a:bodyPr>
           <a:lstStyle/>
           <a:p>
@@ -4795,6 +5189,13 @@
               <a:rPr lang="en-US" dirty="0" smtClean="0"/>
               <a:t>Data Structure</a:t>
             </a:r>
+            <a:br>
+              <a:rPr lang="en-US" dirty="0" smtClean="0"/>
+            </a:br>
+            <a:r>
+              <a:rPr lang="en-US" dirty="0" smtClean="0"/>
+              <a:t>(Cont’d)</a:t>
+            </a:r>
             <a:endParaRPr lang="en-US" dirty="0"/>
           </a:p>
         </p:txBody>
@@ -4817,7 +5218,7 @@
         </p:spPr>
         <p:txBody>
           <a:bodyPr>
-            <a:normAutofit/>
+            <a:normAutofit lnSpcReduction="10000"/>
           </a:bodyPr>
           <a:lstStyle/>
           <a:p>
@@ -4827,7 +5228,7 @@
             </a:pPr>
             <a:r>
               <a:rPr lang="en-US" dirty="0" smtClean="0"/>
-              <a:t>If the user selects the array data structure, a window will appear where the user could do some operations on that data structure.</a:t>
+              <a:t>If, for example, the user enters the number 45 and to be added these many times as shown in the figure, he/she will be able to see that item with the entered amount are added, and the time taken to perform each insertion operation.</a:t>
             </a:r>
           </a:p>
           <a:p>
@@ -4836,47 +5237,61 @@
               <a:buChar char="•"/>
             </a:pPr>
             <a:r>
+              <a:rPr lang="en-US" dirty="0"/>
+              <a:t>We need to mention that the </a:t>
+            </a:r>
+            <a:r>
               <a:rPr lang="en-US" dirty="0" smtClean="0"/>
-              <a:t>If the user is to choose to add an item, he/she needs to enter that item in </a:t>
+              <a:t>insertion </a:t>
+            </a:r>
+            <a:r>
+              <a:rPr lang="en-US" dirty="0"/>
+              <a:t>operations </a:t>
             </a:r>
             <a:r>
               <a:rPr lang="en-US" dirty="0" smtClean="0"/>
-              <a:t>the first </a:t>
+              <a:t>happen </a:t>
+            </a:r>
+            <a:r>
+              <a:rPr lang="en-US" dirty="0"/>
+              <a:t>in the last </a:t>
             </a:r>
             <a:r>
               <a:rPr lang="en-US" dirty="0" smtClean="0"/>
-              <a:t>text </a:t>
+              <a:t>place available </a:t>
+            </a:r>
+            <a:r>
+              <a:rPr lang="en-US" dirty="0"/>
+              <a:t>in the array. </a:t>
             </a:r>
             <a:r>
               <a:rPr lang="en-US" dirty="0" smtClean="0"/>
-              <a:t>field, and how many times this item will be repeated in the array in the second text filed.</a:t>
-            </a:r>
-            <a:endParaRPr lang="en-US" dirty="0" smtClean="0"/>
+              <a:t>And the removal </a:t>
+            </a:r>
+            <a:r>
+              <a:rPr lang="en-US" dirty="0"/>
+              <a:t>operations happen in the last, actually filled position in the array</a:t>
+            </a:r>
+            <a:r>
+              <a:rPr lang="en-US" dirty="0" smtClean="0"/>
+              <a:t>.</a:t>
+            </a:r>
           </a:p>
           <a:p>
             <a:pPr marL="285750" indent="-285750">
               <a:buFont typeface="Arial" panose="020B0604020202020204" pitchFamily="34" charset="0"/>
               <a:buChar char="•"/>
             </a:pPr>
-            <a:r>
-              <a:rPr lang="en-US" dirty="0" smtClean="0"/>
-              <a:t>// </a:t>
-            </a:r>
-            <a:r>
-              <a:rPr lang="en-US" dirty="0" err="1" smtClean="0"/>
-              <a:t>aktb</a:t>
-            </a:r>
-            <a:r>
-              <a:rPr lang="en-US" dirty="0" smtClean="0"/>
-              <a:t> el performance</a:t>
-            </a:r>
-            <a:endParaRPr lang="en-US" dirty="0"/>
+            <a:endParaRPr lang="en-US" dirty="0"/>
+          </a:p>
+          <a:p>
+            <a:endParaRPr lang="en-US" dirty="0" smtClean="0"/>
           </a:p>
         </p:txBody>
       </p:sp>
       <p:pic>
         <p:nvPicPr>
-          <p:cNvPr id="5" name="Content Placeholder 4"/>
+          <p:cNvPr id="6" name="Content Placeholder 5"/>
           <p:cNvPicPr>
             <a:picLocks noGrp="1" noChangeAspect="1"/>
           </p:cNvPicPr>
@@ -4885,31 +5300,41 @@
           </p:nvPr>
         </p:nvPicPr>
         <p:blipFill>
-          <a:blip r:embed="rId2"/>
+          <a:blip r:embed="rId2">
+            <a:extLst>
+              <a:ext uri="{28A0092B-C50C-407E-A947-70E740481C1C}">
+                <a14:useLocalDpi xmlns:a14="http://schemas.microsoft.com/office/drawing/2010/main" val="0"/>
+              </a:ext>
+            </a:extLst>
+          </a:blip>
           <a:stretch>
             <a:fillRect/>
           </a:stretch>
         </p:blipFill>
         <p:spPr>
           <a:xfrm>
-            <a:off x="4855464" y="658368"/>
-            <a:ext cx="7086600" cy="5349240"/>
-          </a:xfrm>
-          <a:prstGeom prst="rect">
-            <a:avLst/>
-          </a:prstGeom>
+            <a:off x="5154825" y="969264"/>
+            <a:ext cx="6489601" cy="4971565"/>
+          </a:xfrm>
         </p:spPr>
       </p:pic>
     </p:spTree>
     <p:extLst>
       <p:ext uri="{BB962C8B-B14F-4D97-AF65-F5344CB8AC3E}">
-        <p14:creationId xmlns:p14="http://schemas.microsoft.com/office/powerpoint/2010/main" val="1104787190"/>
+        <p14:creationId xmlns:p14="http://schemas.microsoft.com/office/powerpoint/2010/main" val="799854378"/>
       </p:ext>
     </p:extLst>
   </p:cSld>
   <p:clrMapOvr>
     <a:masterClrMapping/>
   </p:clrMapOvr>
+  <p:timing>
+    <p:tnLst>
+      <p:par>
+        <p:cTn id="1" dur="indefinite" restart="never" nodeType="tmRoot"/>
+      </p:par>
+    </p:tnLst>
+  </p:timing>
 </p:sld>
 </file>
 
@@ -4943,7 +5368,7 @@
         <p:spPr>
           <a:xfrm>
             <a:off x="643466" y="430307"/>
-            <a:ext cx="3517567" cy="1290918"/>
+            <a:ext cx="3517567" cy="1069309"/>
           </a:xfrm>
         </p:spPr>
         <p:txBody>
@@ -4955,7 +5380,7 @@
             <a:pPr algn="ctr"/>
             <a:r>
               <a:rPr lang="en-US" dirty="0" smtClean="0"/>
-              <a:t>Array</a:t>
+              <a:t>Linked List</a:t>
             </a:r>
             <a:br>
               <a:rPr lang="en-US" dirty="0" smtClean="0"/>
@@ -4964,13 +5389,6 @@
               <a:rPr lang="en-US" dirty="0" smtClean="0"/>
               <a:t>Data Structure</a:t>
             </a:r>
-            <a:br>
-              <a:rPr lang="en-US" dirty="0" smtClean="0"/>
-            </a:br>
-            <a:r>
-              <a:rPr lang="en-US" dirty="0" smtClean="0"/>
-              <a:t>(Cont’d)</a:t>
-            </a:r>
             <a:endParaRPr lang="en-US" dirty="0"/>
           </a:p>
         </p:txBody>
@@ -4987,8 +5405,8 @@
         </p:nvSpPr>
         <p:spPr>
           <a:xfrm>
-            <a:off x="340659" y="1954306"/>
-            <a:ext cx="4069976" cy="4153249"/>
+            <a:off x="340659" y="1563624"/>
+            <a:ext cx="4069976" cy="4543931"/>
           </a:xfrm>
         </p:spPr>
         <p:txBody>
@@ -5003,31 +5421,7 @@
             </a:pPr>
             <a:r>
               <a:rPr lang="en-US" dirty="0" smtClean="0"/>
-              <a:t>If, for example, the </a:t>
-            </a:r>
-            <a:r>
-              <a:rPr lang="en-US" dirty="0" smtClean="0"/>
-              <a:t>user enters the number 45 and to be added these many times as shown in the figure, </a:t>
-            </a:r>
-            <a:r>
-              <a:rPr lang="en-US" dirty="0" smtClean="0"/>
-              <a:t>he/she will be able to see </a:t>
-            </a:r>
-            <a:r>
-              <a:rPr lang="en-US" dirty="0" smtClean="0"/>
-              <a:t>that item with the entere</a:t>
-            </a:r>
-            <a:r>
-              <a:rPr lang="en-US" dirty="0" smtClean="0"/>
-              <a:t>d </a:t>
-            </a:r>
-            <a:r>
-              <a:rPr lang="en-US" dirty="0" smtClean="0"/>
-              <a:t>amount are added, </a:t>
-            </a:r>
-            <a:r>
-              <a:rPr lang="en-US" dirty="0" smtClean="0"/>
-              <a:t>and the time taken to perform each insertion operation.</a:t>
+              <a:t>If the user has chosen the linked list data structure for his exploration, he would also nearly the same window as in the array structure.</a:t>
             </a:r>
           </a:p>
           <a:p>
@@ -5036,48 +5430,8 @@
               <a:buChar char="•"/>
             </a:pPr>
             <a:r>
-              <a:rPr lang="en-US" dirty="0"/>
-              <a:t>We need to mention that the </a:t>
-            </a:r>
-            <a:r>
               <a:rPr lang="en-US" dirty="0" smtClean="0"/>
-              <a:t>insertion </a:t>
-            </a:r>
-            <a:r>
-              <a:rPr lang="en-US" dirty="0"/>
-              <a:t>operations </a:t>
-            </a:r>
-            <a:r>
-              <a:rPr lang="en-US" dirty="0" smtClean="0"/>
-              <a:t>happen </a:t>
-            </a:r>
-            <a:r>
-              <a:rPr lang="en-US" dirty="0"/>
-              <a:t>in the last </a:t>
-            </a:r>
-            <a:r>
-              <a:rPr lang="en-US" dirty="0" smtClean="0"/>
-              <a:t>place available </a:t>
-            </a:r>
-            <a:r>
-              <a:rPr lang="en-US" dirty="0"/>
-              <a:t>in the array</a:t>
-            </a:r>
-            <a:r>
-              <a:rPr lang="en-US" dirty="0"/>
-              <a:t>. </a:t>
-            </a:r>
-            <a:r>
-              <a:rPr lang="en-US" dirty="0" smtClean="0"/>
-              <a:t>And the removal </a:t>
-            </a:r>
-            <a:r>
-              <a:rPr lang="en-US" dirty="0"/>
-              <a:t>operations happen in the last, actually filled position in the array</a:t>
-            </a:r>
-            <a:r>
-              <a:rPr lang="en-US" dirty="0" smtClean="0"/>
-              <a:t>.</a:t>
+              <a:t>Here, the insertion operation in each time is done in the last available place in the linked list and thus taking O(1) as time complexity since we are using a reference to the end node of the list.</a:t>
             </a:r>
           </a:p>
           <a:p>
@@ -5085,16 +5439,17 @@
               <a:buFont typeface="Arial" panose="020B0604020202020204" pitchFamily="34" charset="0"/>
               <a:buChar char="•"/>
             </a:pPr>
-            <a:endParaRPr lang="en-US" dirty="0"/>
-          </a:p>
-          <a:p>
-            <a:endParaRPr lang="en-US" dirty="0" smtClean="0"/>
+            <a:r>
+              <a:rPr lang="en-US" dirty="0" smtClean="0"/>
+              <a:t>For the removal operation, although we are using a reference to the node just before the last node but the time complexity is O(n).</a:t>
+            </a:r>
+            <a:endParaRPr lang="en-US" dirty="0"/>
           </a:p>
         </p:txBody>
       </p:sp>
       <p:pic>
         <p:nvPicPr>
-          <p:cNvPr id="5" name="Content Placeholder 4"/>
+          <p:cNvPr id="6" name="Content Placeholder 5"/>
           <p:cNvPicPr>
             <a:picLocks noGrp="1" noChangeAspect="1"/>
           </p:cNvPicPr>
@@ -5103,31 +5458,41 @@
           </p:nvPr>
         </p:nvPicPr>
         <p:blipFill>
-          <a:blip r:embed="rId2"/>
+          <a:blip r:embed="rId2">
+            <a:extLst>
+              <a:ext uri="{28A0092B-C50C-407E-A947-70E740481C1C}">
+                <a14:useLocalDpi xmlns:a14="http://schemas.microsoft.com/office/drawing/2010/main" val="0"/>
+              </a:ext>
+            </a:extLst>
+          </a:blip>
           <a:stretch>
             <a:fillRect/>
           </a:stretch>
         </p:blipFill>
         <p:spPr>
           <a:xfrm>
-            <a:off x="4818889" y="524587"/>
-            <a:ext cx="7068312" cy="5582968"/>
-          </a:xfrm>
-          <a:prstGeom prst="rect">
-            <a:avLst/>
-          </a:prstGeom>
+            <a:off x="5040196" y="740028"/>
+            <a:ext cx="6682411" cy="5367527"/>
+          </a:xfrm>
         </p:spPr>
       </p:pic>
     </p:spTree>
     <p:extLst>
       <p:ext uri="{BB962C8B-B14F-4D97-AF65-F5344CB8AC3E}">
-        <p14:creationId xmlns:p14="http://schemas.microsoft.com/office/powerpoint/2010/main" val="799854378"/>
+        <p14:creationId xmlns:p14="http://schemas.microsoft.com/office/powerpoint/2010/main" val="4110151090"/>
       </p:ext>
     </p:extLst>
   </p:cSld>
   <p:clrMapOvr>
     <a:masterClrMapping/>
   </p:clrMapOvr>
+  <p:timing>
+    <p:tnLst>
+      <p:par>
+        <p:cTn id="1" dur="indefinite" restart="never" nodeType="tmRoot"/>
+      </p:par>
+    </p:tnLst>
+  </p:timing>
 </p:sld>
 </file>
 
@@ -5160,77 +5525,36 @@
         </p:nvSpPr>
         <p:spPr>
           <a:xfrm>
-            <a:off x="643466" y="430307"/>
-            <a:ext cx="3517567" cy="1290918"/>
+            <a:off x="192024" y="237745"/>
+            <a:ext cx="4434840" cy="1380744"/>
           </a:xfrm>
         </p:spPr>
         <p:txBody>
           <a:bodyPr>
-            <a:normAutofit/>
+            <a:noAutofit/>
           </a:bodyPr>
           <a:lstStyle/>
           <a:p>
             <a:pPr algn="ctr"/>
             <a:r>
-              <a:rPr lang="en-US" dirty="0" smtClean="0"/>
-              <a:t>Linked List</a:t>
-            </a:r>
-            <a:r>
-              <a:rPr lang="en-US" dirty="0" smtClean="0"/>
-              <a:t/>
+              <a:rPr lang="en-US" sz="3000" dirty="0" smtClean="0"/>
+              <a:t>Stack</a:t>
             </a:r>
             <a:br>
-              <a:rPr lang="en-US" dirty="0" smtClean="0"/>
+              <a:rPr lang="en-US" sz="3000" dirty="0" smtClean="0"/>
             </a:br>
             <a:r>
-              <a:rPr lang="en-US" dirty="0" smtClean="0"/>
-              <a:t>Data </a:t>
-            </a:r>
-            <a:r>
-              <a:rPr lang="en-US" dirty="0" smtClean="0"/>
-              <a:t>Structure</a:t>
-            </a:r>
-            <a:endParaRPr lang="en-US" dirty="0"/>
-          </a:p>
-        </p:txBody>
-      </p:sp>
-      <p:sp>
-        <p:nvSpPr>
-          <p:cNvPr id="4" name="Text Placeholder 3"/>
-          <p:cNvSpPr>
-            <a:spLocks noGrp="1"/>
-          </p:cNvSpPr>
-          <p:nvPr>
-            <p:ph type="body" sz="half" idx="2"/>
-          </p:nvPr>
-        </p:nvSpPr>
-        <p:spPr>
-          <a:xfrm>
-            <a:off x="340659" y="1954306"/>
-            <a:ext cx="4069976" cy="4153249"/>
-          </a:xfrm>
-        </p:spPr>
-        <p:txBody>
-          <a:bodyPr>
-            <a:normAutofit/>
-          </a:bodyPr>
-          <a:lstStyle/>
-          <a:p>
-            <a:pPr marL="285750" indent="-285750">
-              <a:buFont typeface="Arial" panose="020B0604020202020204" pitchFamily="34" charset="0"/>
-              <a:buChar char="•"/>
-            </a:pPr>
-            <a:r>
-              <a:rPr lang="en-US" dirty="0" smtClean="0"/>
-              <a:t>If the user has chosen the linked list data structure for his exploration, he would also nearly the same window as in the array structure.</a:t>
-            </a:r>
-          </a:p>
-          <a:p>
-            <a:pPr marL="285750" indent="-285750">
-              <a:buFont typeface="Arial" panose="020B0604020202020204" pitchFamily="34" charset="0"/>
-              <a:buChar char="•"/>
-            </a:pPr>
-            <a:endParaRPr lang="en-US" dirty="0"/>
+              <a:rPr lang="en-US" sz="3000" dirty="0" smtClean="0"/>
+              <a:t>Data Structure</a:t>
+            </a:r>
+            <a:br>
+              <a:rPr lang="en-US" sz="3000" dirty="0" smtClean="0"/>
+            </a:br>
+            <a:r>
+              <a:rPr lang="en-US" sz="3000" dirty="0" smtClean="0"/>
+              <a:t>(Array Implementation)</a:t>
+            </a:r>
+            <a:endParaRPr lang="en-US" sz="3000" dirty="0"/>
           </a:p>
         </p:txBody>
       </p:sp>
@@ -5258,15 +5582,126 @@
         </p:blipFill>
         <p:spPr>
           <a:xfrm>
-            <a:off x="5138928" y="832105"/>
-            <a:ext cx="6693408" cy="5275450"/>
-          </a:xfrm>
+            <a:off x="4933003" y="146304"/>
+            <a:ext cx="6917621" cy="4946904"/>
+          </a:xfrm>
+        </p:spPr>
+      </p:pic>
+      <p:sp>
+        <p:nvSpPr>
+          <p:cNvPr id="4" name="Text Placeholder 3"/>
+          <p:cNvSpPr>
+            <a:spLocks noGrp="1"/>
+          </p:cNvSpPr>
+          <p:nvPr>
+            <p:ph type="body" sz="half" idx="2"/>
+          </p:nvPr>
+        </p:nvSpPr>
+        <p:spPr>
+          <a:xfrm>
+            <a:off x="192024" y="1719072"/>
+            <a:ext cx="4434840" cy="4910328"/>
+          </a:xfrm>
+        </p:spPr>
+        <p:txBody>
+          <a:bodyPr>
+            <a:normAutofit fontScale="92500" lnSpcReduction="20000"/>
+          </a:bodyPr>
+          <a:lstStyle/>
+          <a:p>
+            <a:pPr marL="285750" indent="-285750">
+              <a:buFont typeface="Arial" panose="020B0604020202020204" pitchFamily="34" charset="0"/>
+              <a:buChar char="•"/>
+            </a:pPr>
+            <a:r>
+              <a:rPr lang="en-US" dirty="0" smtClean="0"/>
+              <a:t>Now, the user has chosen the stack data structure specifically the array implementation of the stack.</a:t>
+            </a:r>
+          </a:p>
+          <a:p>
+            <a:pPr marL="285750" indent="-285750">
+              <a:buFont typeface="Arial" panose="020B0604020202020204" pitchFamily="34" charset="0"/>
+              <a:buChar char="•"/>
+            </a:pPr>
+            <a:r>
+              <a:rPr lang="en-US" dirty="0" smtClean="0"/>
+              <a:t>The stack as you know it is called LIFO data structure, which means the last pushed item is the first to be removed. So adding and removing is at the same end.</a:t>
+            </a:r>
+          </a:p>
+          <a:p>
+            <a:pPr marL="285750" indent="-285750">
+              <a:buFont typeface="Arial" panose="020B0604020202020204" pitchFamily="34" charset="0"/>
+              <a:buChar char="•"/>
+            </a:pPr>
+            <a:r>
+              <a:rPr lang="en-US" dirty="0" smtClean="0"/>
+              <a:t>For the insertion operation, we would get time complexity as O(1).</a:t>
+            </a:r>
+          </a:p>
+          <a:p>
+            <a:pPr marL="285750" indent="-285750">
+              <a:buFont typeface="Arial" panose="020B0604020202020204" pitchFamily="34" charset="0"/>
+              <a:buChar char="•"/>
+            </a:pPr>
+            <a:r>
+              <a:rPr lang="en-US" dirty="0" smtClean="0"/>
+              <a:t>In addition, for the removal operation, we would have time complexity as O(1).</a:t>
+            </a:r>
+          </a:p>
+          <a:p>
+            <a:pPr marL="285750" indent="-285750">
+              <a:buFont typeface="Arial" panose="020B0604020202020204" pitchFamily="34" charset="0"/>
+              <a:buChar char="•"/>
+            </a:pPr>
+            <a:r>
+              <a:rPr lang="en-US" dirty="0" smtClean="0"/>
+              <a:t>However, we would find that we get “</a:t>
+            </a:r>
+            <a:r>
+              <a:rPr lang="en-US" dirty="0" err="1" smtClean="0"/>
+              <a:t>OutOfMemoryError</a:t>
+            </a:r>
+            <a:r>
+              <a:rPr lang="en-US" dirty="0" smtClean="0"/>
+              <a:t>” when trying to add the number “45” 10^9 many times. This is because the array structure adds the elements in contiguous places in the memory.</a:t>
+            </a:r>
+          </a:p>
+        </p:txBody>
+      </p:sp>
+      <p:pic>
+        <p:nvPicPr>
+          <p:cNvPr id="6" name="Picture 5"/>
+          <p:cNvPicPr>
+            <a:picLocks noChangeAspect="1"/>
+          </p:cNvPicPr>
+          <p:nvPr/>
+        </p:nvPicPr>
+        <p:blipFill>
+          <a:blip r:embed="rId3">
+            <a:extLst>
+              <a:ext uri="{28A0092B-C50C-407E-A947-70E740481C1C}">
+                <a14:useLocalDpi xmlns:a14="http://schemas.microsoft.com/office/drawing/2010/main" val="0"/>
+              </a:ext>
+            </a:extLst>
+          </a:blip>
+          <a:stretch>
+            <a:fillRect/>
+          </a:stretch>
+        </p:blipFill>
+        <p:spPr>
+          <a:xfrm>
+            <a:off x="4818888" y="5203698"/>
+            <a:ext cx="7260337" cy="1516380"/>
+          </a:xfrm>
+          <a:prstGeom prst="rect">
+            <a:avLst/>
+          </a:prstGeom>
         </p:spPr>
       </p:pic>
     </p:spTree>
     <p:extLst>
       <p:ext uri="{BB962C8B-B14F-4D97-AF65-F5344CB8AC3E}">
-        <p14:creationId xmlns:p14="http://schemas.microsoft.com/office/powerpoint/2010/main" val="4110151090"/>
+        <p14:creationId xmlns:p14="http://schemas.microsoft.com/office/powerpoint/2010/main" val="1972185532"/>
       </p:ext>
     </p:extLst>
   </p:cSld>
@@ -5303,38 +5738,128 @@
             <p:ph type="title"/>
           </p:nvPr>
         </p:nvSpPr>
-        <p:spPr/>
-        <p:txBody>
-          <a:bodyPr/>
-          <a:lstStyle/>
-          <a:p>
-            <a:endParaRPr lang="en-US"/>
-          </a:p>
-        </p:txBody>
-      </p:sp>
-      <p:sp>
-        <p:nvSpPr>
-          <p:cNvPr id="3" name="Content Placeholder 2"/>
-          <p:cNvSpPr>
-            <a:spLocks noGrp="1"/>
-          </p:cNvSpPr>
+        <p:spPr>
+          <a:xfrm>
+            <a:off x="210312" y="237745"/>
+            <a:ext cx="4297680" cy="1380744"/>
+          </a:xfrm>
+        </p:spPr>
+        <p:txBody>
+          <a:bodyPr>
+            <a:noAutofit/>
+          </a:bodyPr>
+          <a:lstStyle/>
+          <a:p>
+            <a:pPr algn="ctr"/>
+            <a:r>
+              <a:rPr lang="en-US" sz="3000" dirty="0" smtClean="0"/>
+              <a:t>Stack</a:t>
+            </a:r>
+            <a:br>
+              <a:rPr lang="en-US" sz="3000" dirty="0" smtClean="0"/>
+            </a:br>
+            <a:r>
+              <a:rPr lang="en-US" sz="3000" dirty="0" smtClean="0"/>
+              <a:t>(Linked List Implementation)</a:t>
+            </a:r>
+            <a:endParaRPr lang="en-US" sz="3000" dirty="0"/>
+          </a:p>
+        </p:txBody>
+      </p:sp>
+      <p:sp>
+        <p:nvSpPr>
+          <p:cNvPr id="4" name="Text Placeholder 3"/>
+          <p:cNvSpPr>
+            <a:spLocks noGrp="1"/>
+          </p:cNvSpPr>
+          <p:nvPr>
+            <p:ph type="body" sz="half" idx="2"/>
+          </p:nvPr>
+        </p:nvSpPr>
+        <p:spPr>
+          <a:xfrm>
+            <a:off x="438912" y="1920240"/>
+            <a:ext cx="4005071" cy="4544568"/>
+          </a:xfrm>
+        </p:spPr>
+        <p:txBody>
+          <a:bodyPr>
+            <a:normAutofit/>
+          </a:bodyPr>
+          <a:lstStyle/>
+          <a:p>
+            <a:pPr marL="285750" indent="-285750">
+              <a:buFont typeface="Arial" panose="020B0604020202020204" pitchFamily="34" charset="0"/>
+              <a:buChar char="•"/>
+            </a:pPr>
+            <a:r>
+              <a:rPr lang="en-US" dirty="0" smtClean="0"/>
+              <a:t>For the linked list implementation of the stack, for the insertion operation, we would get time complexity as O(1).</a:t>
+            </a:r>
+          </a:p>
+          <a:p>
+            <a:pPr marL="285750" indent="-285750">
+              <a:buFont typeface="Arial" panose="020B0604020202020204" pitchFamily="34" charset="0"/>
+              <a:buChar char="•"/>
+            </a:pPr>
+            <a:r>
+              <a:rPr lang="en-US" dirty="0" smtClean="0"/>
+              <a:t>In addition, for the removal operation, we would have time complexity as O(1).</a:t>
+            </a:r>
+          </a:p>
+          <a:p>
+            <a:pPr marL="285750" indent="-285750">
+              <a:buFont typeface="Arial" panose="020B0604020202020204" pitchFamily="34" charset="0"/>
+              <a:buChar char="•"/>
+            </a:pPr>
+            <a:endParaRPr lang="en-US" dirty="0"/>
+          </a:p>
+          <a:p>
+            <a:pPr marL="285750" indent="-285750">
+              <a:buFont typeface="Arial" panose="020B0604020202020204" pitchFamily="34" charset="0"/>
+              <a:buChar char="•"/>
+            </a:pPr>
+            <a:r>
+              <a:rPr lang="en-US" dirty="0" smtClean="0"/>
+              <a:t>//Here the programs stops for the 10^5 times</a:t>
+            </a:r>
+            <a:endParaRPr lang="en-US" dirty="0"/>
+          </a:p>
+        </p:txBody>
+      </p:sp>
+      <p:pic>
+        <p:nvPicPr>
+          <p:cNvPr id="8" name="Content Placeholder 7"/>
+          <p:cNvPicPr>
+            <a:picLocks noGrp="1" noChangeAspect="1"/>
+          </p:cNvPicPr>
           <p:nvPr>
             <p:ph idx="1"/>
           </p:nvPr>
-        </p:nvSpPr>
-        <p:spPr/>
-        <p:txBody>
-          <a:bodyPr/>
-          <a:lstStyle/>
-          <a:p>
-            <a:endParaRPr lang="en-US"/>
-          </a:p>
-        </p:txBody>
-      </p:sp>
+        </p:nvPicPr>
+        <p:blipFill>
+          <a:blip r:embed="rId2">
+            <a:extLst>
+              <a:ext uri="{28A0092B-C50C-407E-A947-70E740481C1C}">
+                <a14:useLocalDpi xmlns:a14="http://schemas.microsoft.com/office/drawing/2010/main" val="0"/>
+              </a:ext>
+            </a:extLst>
+          </a:blip>
+          <a:stretch>
+            <a:fillRect/>
+          </a:stretch>
+        </p:blipFill>
+        <p:spPr>
+          <a:xfrm>
+            <a:off x="4926750" y="685800"/>
+            <a:ext cx="6850261" cy="5040435"/>
+          </a:xfrm>
+        </p:spPr>
+      </p:pic>
     </p:spTree>
     <p:extLst>
       <p:ext uri="{BB962C8B-B14F-4D97-AF65-F5344CB8AC3E}">
-        <p14:creationId xmlns:p14="http://schemas.microsoft.com/office/powerpoint/2010/main" val="2379476345"/>
+        <p14:creationId xmlns:p14="http://schemas.microsoft.com/office/powerpoint/2010/main" val="2560859981"/>
       </p:ext>
     </p:extLst>
   </p:cSld>
@@ -5371,38 +5896,256 @@
             <p:ph type="title"/>
           </p:nvPr>
         </p:nvSpPr>
-        <p:spPr/>
-        <p:txBody>
-          <a:bodyPr/>
-          <a:lstStyle/>
-          <a:p>
-            <a:endParaRPr lang="en-US"/>
-          </a:p>
-        </p:txBody>
-      </p:sp>
-      <p:sp>
-        <p:nvSpPr>
-          <p:cNvPr id="3" name="Content Placeholder 2"/>
-          <p:cNvSpPr>
-            <a:spLocks noGrp="1"/>
-          </p:cNvSpPr>
+        <p:spPr>
+          <a:xfrm>
+            <a:off x="155448" y="237745"/>
+            <a:ext cx="4480560" cy="1380744"/>
+          </a:xfrm>
+        </p:spPr>
+        <p:txBody>
+          <a:bodyPr>
+            <a:noAutofit/>
+          </a:bodyPr>
+          <a:lstStyle/>
+          <a:p>
+            <a:pPr algn="ctr"/>
+            <a:r>
+              <a:rPr lang="en-US" sz="3000" dirty="0" smtClean="0"/>
+              <a:t>Queue</a:t>
+            </a:r>
+            <a:r>
+              <a:rPr lang="en-US" sz="3000" dirty="0"/>
+              <a:t/>
+            </a:r>
+            <a:br>
+              <a:rPr lang="en-US" sz="3000" dirty="0"/>
+            </a:br>
+            <a:r>
+              <a:rPr lang="en-US" sz="3000" dirty="0"/>
+              <a:t>Data Structure</a:t>
+            </a:r>
+            <a:br>
+              <a:rPr lang="en-US" sz="3000" dirty="0"/>
+            </a:br>
+            <a:r>
+              <a:rPr lang="en-US" sz="3000" dirty="0"/>
+              <a:t>(Array Implementation)</a:t>
+            </a:r>
+          </a:p>
+        </p:txBody>
+      </p:sp>
+      <p:sp>
+        <p:nvSpPr>
+          <p:cNvPr id="4" name="Text Placeholder 3"/>
+          <p:cNvSpPr>
+            <a:spLocks noGrp="1"/>
+          </p:cNvSpPr>
+          <p:nvPr>
+            <p:ph type="body" sz="half" idx="2"/>
+          </p:nvPr>
+        </p:nvSpPr>
+        <p:spPr>
+          <a:xfrm>
+            <a:off x="411480" y="1920240"/>
+            <a:ext cx="4087368" cy="4544568"/>
+          </a:xfrm>
+        </p:spPr>
+        <p:txBody>
+          <a:bodyPr>
+            <a:normAutofit fontScale="92500" lnSpcReduction="20000"/>
+          </a:bodyPr>
+          <a:lstStyle/>
+          <a:p>
+            <a:pPr marL="285750" indent="-285750">
+              <a:buFont typeface="Arial" panose="020B0604020202020204" pitchFamily="34" charset="0"/>
+              <a:buChar char="•"/>
+            </a:pPr>
+            <a:r>
+              <a:rPr lang="en-US" dirty="0" smtClean="0"/>
+              <a:t>Here is the queue </a:t>
+            </a:r>
+            <a:r>
+              <a:rPr lang="en-US" dirty="0"/>
+              <a:t>data structure </a:t>
+            </a:r>
+            <a:r>
+              <a:rPr lang="en-US" dirty="0" smtClean="0"/>
+              <a:t>by </a:t>
+            </a:r>
+            <a:r>
+              <a:rPr lang="en-US" dirty="0"/>
+              <a:t>the array </a:t>
+            </a:r>
+            <a:r>
+              <a:rPr lang="en-US" dirty="0" smtClean="0"/>
+              <a:t>implementation.</a:t>
+            </a:r>
+            <a:endParaRPr lang="en-US" dirty="0"/>
+          </a:p>
+          <a:p>
+            <a:pPr marL="285750" indent="-285750">
+              <a:buFont typeface="Arial" panose="020B0604020202020204" pitchFamily="34" charset="0"/>
+              <a:buChar char="•"/>
+            </a:pPr>
+            <a:r>
+              <a:rPr lang="en-US" dirty="0"/>
+              <a:t>The </a:t>
+            </a:r>
+            <a:r>
+              <a:rPr lang="en-US" dirty="0" smtClean="0"/>
+              <a:t>queue is </a:t>
+            </a:r>
+            <a:r>
+              <a:rPr lang="en-US" dirty="0"/>
+              <a:t>called </a:t>
+            </a:r>
+            <a:r>
+              <a:rPr lang="en-US" dirty="0" smtClean="0"/>
+              <a:t>FIFO </a:t>
+            </a:r>
+            <a:r>
+              <a:rPr lang="en-US" dirty="0"/>
+              <a:t>data structure, which means the </a:t>
+            </a:r>
+            <a:r>
+              <a:rPr lang="en-US" dirty="0" smtClean="0"/>
+              <a:t>first added </a:t>
+            </a:r>
+            <a:r>
+              <a:rPr lang="en-US" dirty="0"/>
+              <a:t>item is the first to be removed. </a:t>
+            </a:r>
+            <a:r>
+              <a:rPr lang="en-US" dirty="0" smtClean="0"/>
+              <a:t>Here adding </a:t>
+            </a:r>
+            <a:r>
+              <a:rPr lang="en-US" dirty="0"/>
+              <a:t>and removing </a:t>
+            </a:r>
+            <a:r>
+              <a:rPr lang="en-US" dirty="0" smtClean="0"/>
+              <a:t>are at opposite sides.</a:t>
+            </a:r>
+            <a:endParaRPr lang="en-US" dirty="0"/>
+          </a:p>
+          <a:p>
+            <a:pPr marL="285750" indent="-285750">
+              <a:buFont typeface="Arial" panose="020B0604020202020204" pitchFamily="34" charset="0"/>
+              <a:buChar char="•"/>
+            </a:pPr>
+            <a:r>
+              <a:rPr lang="en-US" dirty="0"/>
+              <a:t>For the insertion operation, we would get time complexity as O(1).</a:t>
+            </a:r>
+          </a:p>
+          <a:p>
+            <a:pPr marL="285750" indent="-285750">
+              <a:buFont typeface="Arial" panose="020B0604020202020204" pitchFamily="34" charset="0"/>
+              <a:buChar char="•"/>
+            </a:pPr>
+            <a:r>
+              <a:rPr lang="en-US" dirty="0" smtClean="0"/>
+              <a:t>In addition, </a:t>
+            </a:r>
+            <a:r>
+              <a:rPr lang="en-US" dirty="0"/>
+              <a:t>for the removal operation, we would have time complexity as </a:t>
+            </a:r>
+            <a:r>
+              <a:rPr lang="en-US" dirty="0" smtClean="0"/>
+              <a:t>O(1).</a:t>
+            </a:r>
+            <a:endParaRPr lang="en-US" dirty="0"/>
+          </a:p>
+          <a:p>
+            <a:pPr marL="285750" indent="-285750">
+              <a:buFont typeface="Arial" panose="020B0604020202020204" pitchFamily="34" charset="0"/>
+              <a:buChar char="•"/>
+            </a:pPr>
+            <a:r>
+              <a:rPr lang="en-US" dirty="0"/>
+              <a:t>However, we would find that we get “</a:t>
+            </a:r>
+            <a:r>
+              <a:rPr lang="en-US" dirty="0" err="1"/>
+              <a:t>OutOfMemoryError</a:t>
+            </a:r>
+            <a:r>
+              <a:rPr lang="en-US" dirty="0"/>
+              <a:t>” when trying to add the number “45” 10^9 many times. </a:t>
+            </a:r>
+            <a:r>
+              <a:rPr lang="en-US" dirty="0" smtClean="0"/>
+              <a:t>The same as with the stack implementation using arrays.</a:t>
+            </a:r>
+            <a:endParaRPr lang="en-US" dirty="0"/>
+          </a:p>
+        </p:txBody>
+      </p:sp>
+      <p:pic>
+        <p:nvPicPr>
+          <p:cNvPr id="5" name="Content Placeholder 4"/>
+          <p:cNvPicPr>
+            <a:picLocks noGrp="1" noChangeAspect="1"/>
+          </p:cNvPicPr>
           <p:nvPr>
             <p:ph idx="1"/>
           </p:nvPr>
-        </p:nvSpPr>
-        <p:spPr/>
-        <p:txBody>
-          <a:bodyPr/>
-          <a:lstStyle/>
-          <a:p>
-            <a:endParaRPr lang="en-US"/>
-          </a:p>
-        </p:txBody>
-      </p:sp>
+        </p:nvPicPr>
+        <p:blipFill>
+          <a:blip r:embed="rId2">
+            <a:extLst>
+              <a:ext uri="{28A0092B-C50C-407E-A947-70E740481C1C}">
+                <a14:useLocalDpi xmlns:a14="http://schemas.microsoft.com/office/drawing/2010/main" val="0"/>
+              </a:ext>
+            </a:extLst>
+          </a:blip>
+          <a:stretch>
+            <a:fillRect/>
+          </a:stretch>
+        </p:blipFill>
+        <p:spPr>
+          <a:xfrm>
+            <a:off x="5020208" y="237745"/>
+            <a:ext cx="6684111" cy="4882895"/>
+          </a:xfrm>
+        </p:spPr>
+      </p:pic>
+      <p:pic>
+        <p:nvPicPr>
+          <p:cNvPr id="6" name="Picture 5"/>
+          <p:cNvPicPr>
+            <a:picLocks noChangeAspect="1"/>
+          </p:cNvPicPr>
+          <p:nvPr/>
+        </p:nvPicPr>
+        <p:blipFill>
+          <a:blip r:embed="rId3">
+            <a:extLst>
+              <a:ext uri="{28A0092B-C50C-407E-A947-70E740481C1C}">
+                <a14:useLocalDpi xmlns:a14="http://schemas.microsoft.com/office/drawing/2010/main" val="0"/>
+              </a:ext>
+            </a:extLst>
+          </a:blip>
+          <a:stretch>
+            <a:fillRect/>
+          </a:stretch>
+        </p:blipFill>
+        <p:spPr>
+          <a:xfrm>
+            <a:off x="4839462" y="5313426"/>
+            <a:ext cx="7223713" cy="1333500"/>
+          </a:xfrm>
+          <a:prstGeom prst="rect">
+            <a:avLst/>
+          </a:prstGeom>
+        </p:spPr>
+      </p:pic>
     </p:spTree>
     <p:extLst>
       <p:ext uri="{BB962C8B-B14F-4D97-AF65-F5344CB8AC3E}">
-        <p14:creationId xmlns:p14="http://schemas.microsoft.com/office/powerpoint/2010/main" val="2049770726"/>
+        <p14:creationId xmlns:p14="http://schemas.microsoft.com/office/powerpoint/2010/main" val="1027420828"/>
       </p:ext>
     </p:extLst>
   </p:cSld>
